--- a/BPCI Twitter Analysis Slides.pptx
+++ b/BPCI Twitter Analysis Slides.pptx
@@ -5,25 +5,36 @@
     <p:sldMasterId id="2147483938" r:id="rId1"/>
   </p:sldMasterIdLst>
   <p:notesMasterIdLst>
-    <p:notesMasterId r:id="rId15"/>
+    <p:notesMasterId r:id="rId26"/>
   </p:notesMasterIdLst>
   <p:handoutMasterIdLst>
-    <p:handoutMasterId r:id="rId16"/>
+    <p:handoutMasterId r:id="rId27"/>
   </p:handoutMasterIdLst>
   <p:sldIdLst>
     <p:sldId id="256" r:id="rId2"/>
     <p:sldId id="258" r:id="rId3"/>
     <p:sldId id="259" r:id="rId4"/>
     <p:sldId id="264" r:id="rId5"/>
-    <p:sldId id="268" r:id="rId6"/>
-    <p:sldId id="257" r:id="rId7"/>
-    <p:sldId id="260" r:id="rId8"/>
-    <p:sldId id="261" r:id="rId9"/>
-    <p:sldId id="262" r:id="rId10"/>
-    <p:sldId id="265" r:id="rId11"/>
-    <p:sldId id="266" r:id="rId12"/>
-    <p:sldId id="267" r:id="rId13"/>
-    <p:sldId id="263" r:id="rId14"/>
+    <p:sldId id="270" r:id="rId6"/>
+    <p:sldId id="271" r:id="rId7"/>
+    <p:sldId id="275" r:id="rId8"/>
+    <p:sldId id="268" r:id="rId9"/>
+    <p:sldId id="272" r:id="rId10"/>
+    <p:sldId id="257" r:id="rId11"/>
+    <p:sldId id="260" r:id="rId12"/>
+    <p:sldId id="261" r:id="rId13"/>
+    <p:sldId id="262" r:id="rId14"/>
+    <p:sldId id="265" r:id="rId15"/>
+    <p:sldId id="266" r:id="rId16"/>
+    <p:sldId id="267" r:id="rId17"/>
+    <p:sldId id="263" r:id="rId18"/>
+    <p:sldId id="276" r:id="rId19"/>
+    <p:sldId id="278" r:id="rId20"/>
+    <p:sldId id="279" r:id="rId21"/>
+    <p:sldId id="269" r:id="rId22"/>
+    <p:sldId id="273" r:id="rId23"/>
+    <p:sldId id="277" r:id="rId24"/>
+    <p:sldId id="274" r:id="rId25"/>
   </p:sldIdLst>
   <p:sldSz cx="12192000" cy="6858000"/>
   <p:notesSz cx="6858000" cy="9144000"/>
@@ -234,7 +245,7 @@
           <a:p>
             <a:fld id="{A00AF0D7-6692-4CDA-B51B-0C54F95CB4EF}" type="datetimeFigureOut">
               <a:rPr lang="en-US" smtClean="0"/>
-              <a:t>9/19/2019</a:t>
+              <a:t>9/24/2019</a:t>
             </a:fld>
             <a:endParaRPr lang="en-US"/>
           </a:p>
@@ -399,7 +410,7 @@
           <a:p>
             <a:fld id="{34B082BD-684C-4C00-A412-EE0C0F4409AD}" type="datetimeFigureOut">
               <a:rPr lang="en-US" smtClean="0"/>
-              <a:t>9/19/2019</a:t>
+              <a:t>9/24/2019</a:t>
             </a:fld>
             <a:endParaRPr lang="en-US"/>
           </a:p>
@@ -936,7 +947,7 @@
           <a:p>
             <a:fld id="{C14B231D-36BE-423E-B931-FB15DFFBF2AF}" type="datetime1">
               <a:rPr lang="en-US" smtClean="0"/>
-              <a:t>9/19/2019</a:t>
+              <a:t>9/24/2019</a:t>
             </a:fld>
             <a:endParaRPr lang="en-US"/>
           </a:p>
@@ -1211,7 +1222,7 @@
           <a:p>
             <a:fld id="{3966C3EE-A567-4C04-A991-2985D79F55EE}" type="datetime1">
               <a:rPr lang="en-US" smtClean="0"/>
-              <a:t>9/19/2019</a:t>
+              <a:t>9/24/2019</a:t>
             </a:fld>
             <a:endParaRPr lang="en-US"/>
           </a:p>
@@ -1405,7 +1416,7 @@
           <a:p>
             <a:fld id="{8BB656C1-1644-4830-9D71-7451A58A1D13}" type="datetime1">
               <a:rPr lang="en-US" smtClean="0"/>
-              <a:t>9/19/2019</a:t>
+              <a:t>9/24/2019</a:t>
             </a:fld>
             <a:endParaRPr lang="en-US"/>
           </a:p>
@@ -1678,7 +1689,7 @@
           <a:p>
             <a:fld id="{7E3BB4DF-0C3C-4DFE-B096-E6E4578D45F5}" type="datetime1">
               <a:rPr lang="en-US" smtClean="0"/>
-              <a:t>9/19/2019</a:t>
+              <a:t>9/24/2019</a:t>
             </a:fld>
             <a:endParaRPr lang="en-US"/>
           </a:p>
@@ -2019,7 +2030,7 @@
           <a:p>
             <a:fld id="{657B905A-B150-4DE4-ABBA-F3EFBA0CD6FC}" type="datetime1">
               <a:rPr lang="en-US" smtClean="0"/>
-              <a:t>9/19/2019</a:t>
+              <a:t>9/24/2019</a:t>
             </a:fld>
             <a:endParaRPr lang="en-US"/>
           </a:p>
@@ -2642,7 +2653,7 @@
           <a:p>
             <a:fld id="{300A39D1-ACBD-45BD-8B2A-3EE063E16A48}" type="datetime1">
               <a:rPr lang="en-US" smtClean="0"/>
-              <a:t>9/19/2019</a:t>
+              <a:t>9/24/2019</a:t>
             </a:fld>
             <a:endParaRPr lang="en-US"/>
           </a:p>
@@ -3502,7 +3513,7 @@
           <a:p>
             <a:fld id="{6C297116-BBC0-4ACC-BB41-B79174CDF01A}" type="datetime1">
               <a:rPr lang="en-US" smtClean="0"/>
-              <a:t>9/19/2019</a:t>
+              <a:t>9/24/2019</a:t>
             </a:fld>
             <a:endParaRPr lang="en-US"/>
           </a:p>
@@ -3672,7 +3683,7 @@
           <a:p>
             <a:fld id="{61F9665D-13B1-4AE9-95F8-68448A3D0069}" type="datetime1">
               <a:rPr lang="en-US" smtClean="0"/>
-              <a:t>9/19/2019</a:t>
+              <a:t>9/24/2019</a:t>
             </a:fld>
             <a:endParaRPr lang="en-US"/>
           </a:p>
@@ -3852,7 +3863,7 @@
           <a:p>
             <a:fld id="{FB07F40B-442F-4D12-84BA-5EDC2B5E0B31}" type="datetime1">
               <a:rPr lang="en-US" smtClean="0"/>
-              <a:t>9/19/2019</a:t>
+              <a:t>9/24/2019</a:t>
             </a:fld>
             <a:endParaRPr lang="en-US"/>
           </a:p>
@@ -4026,7 +4037,7 @@
           <a:p>
             <a:fld id="{337921DD-2FD9-459A-A55E-ADCC77459F32}" type="datetime1">
               <a:rPr lang="en-US" smtClean="0"/>
-              <a:t>9/19/2019</a:t>
+              <a:t>9/24/2019</a:t>
             </a:fld>
             <a:endParaRPr lang="en-US"/>
           </a:p>
@@ -4312,7 +4323,7 @@
           <a:p>
             <a:fld id="{71E8FDAC-0A7B-47D3-9AAB-DCD156062144}" type="datetime1">
               <a:rPr lang="en-US" smtClean="0"/>
-              <a:t>9/19/2019</a:t>
+              <a:t>9/24/2019</a:t>
             </a:fld>
             <a:endParaRPr lang="en-US"/>
           </a:p>
@@ -4604,7 +4615,7 @@
           <a:p>
             <a:fld id="{D4963012-944C-461C-A9B8-D1DF5CA6B6F9}" type="datetime1">
               <a:rPr lang="en-US" smtClean="0"/>
-              <a:t>9/19/2019</a:t>
+              <a:t>9/24/2019</a:t>
             </a:fld>
             <a:endParaRPr lang="en-US"/>
           </a:p>
@@ -5048,7 +5059,7 @@
           <a:p>
             <a:fld id="{C6E6960D-76BB-42A2-BB4D-E6869C19E391}" type="datetime1">
               <a:rPr lang="en-US" smtClean="0"/>
-              <a:t>9/19/2019</a:t>
+              <a:t>9/24/2019</a:t>
             </a:fld>
             <a:endParaRPr lang="en-US"/>
           </a:p>
@@ -5166,7 +5177,7 @@
           <a:p>
             <a:fld id="{CE4FF30A-3757-4907-80EA-B820ACE929B2}" type="datetime1">
               <a:rPr lang="en-US" smtClean="0"/>
-              <a:t>9/19/2019</a:t>
+              <a:t>9/24/2019</a:t>
             </a:fld>
             <a:endParaRPr lang="en-US"/>
           </a:p>
@@ -5261,7 +5272,7 @@
           <a:p>
             <a:fld id="{EFE58291-4DD9-418C-835B-0C4F67A674A1}" type="datetime1">
               <a:rPr lang="en-US" smtClean="0"/>
-              <a:t>9/19/2019</a:t>
+              <a:t>9/24/2019</a:t>
             </a:fld>
             <a:endParaRPr lang="en-US"/>
           </a:p>
@@ -5540,7 +5551,7 @@
           <a:p>
             <a:fld id="{E467DF18-74F6-4358-B730-D54E61C32EE4}" type="datetime1">
               <a:rPr lang="en-US" smtClean="0"/>
-              <a:t>9/19/2019</a:t>
+              <a:t>9/24/2019</a:t>
             </a:fld>
             <a:endParaRPr lang="en-US"/>
           </a:p>
@@ -5815,7 +5826,7 @@
           <a:p>
             <a:fld id="{7DC4BE7F-4F4B-4A1C-871A-4E3132C69D95}" type="datetime1">
               <a:rPr lang="en-US" smtClean="0"/>
-              <a:t>9/19/2019</a:t>
+              <a:t>9/24/2019</a:t>
             </a:fld>
             <a:endParaRPr lang="en-US"/>
           </a:p>
@@ -6253,7 +6264,7 @@
           <a:p>
             <a:fld id="{BC1046CA-1C87-49D6-A556-7A87EA0F1F67}" type="datetime1">
               <a:rPr lang="en-US" smtClean="0"/>
-              <a:t>9/19/2019</a:t>
+              <a:t>9/24/2019</a:t>
             </a:fld>
             <a:endParaRPr lang="en-US"/>
           </a:p>
@@ -6834,15 +6845,7 @@
           <a:p>
             <a:r>
               <a:rPr lang="en-US" sz="2800" dirty="0" smtClean="0"/>
-              <a:t>September </a:t>
-            </a:r>
-            <a:r>
-              <a:rPr lang="en-US" sz="2800" dirty="0" smtClean="0"/>
-              <a:t>27, </a:t>
-            </a:r>
-            <a:r>
-              <a:rPr lang="en-US" sz="2800" dirty="0" smtClean="0"/>
-              <a:t>2019</a:t>
+              <a:t>September 27, 2019</a:t>
             </a:r>
             <a:endParaRPr lang="en-US" sz="2800" dirty="0"/>
           </a:p>
@@ -6931,6 +6934,505 @@
           <a:lstStyle/>
           <a:p>
             <a:r>
+              <a:rPr lang="en-US" b="1" dirty="0" smtClean="0">
+                <a:solidFill>
+                  <a:srgbClr val="FFFF00"/>
+                </a:solidFill>
+              </a:rPr>
+              <a:t>Areas of Analysis</a:t>
+            </a:r>
+            <a:endParaRPr lang="en-US" b="1" dirty="0">
+              <a:solidFill>
+                <a:srgbClr val="FFFF00"/>
+              </a:solidFill>
+            </a:endParaRPr>
+          </a:p>
+        </p:txBody>
+      </p:sp>
+      <p:sp>
+        <p:nvSpPr>
+          <p:cNvPr id="3" name="Content Placeholder 2"/>
+          <p:cNvSpPr>
+            <a:spLocks noGrp="1"/>
+          </p:cNvSpPr>
+          <p:nvPr>
+            <p:ph idx="1"/>
+          </p:nvPr>
+        </p:nvSpPr>
+        <p:spPr/>
+        <p:txBody>
+          <a:bodyPr/>
+          <a:lstStyle/>
+          <a:p>
+            <a:pPr marL="457200" indent="-457200">
+              <a:buFont typeface="+mj-lt"/>
+              <a:buAutoNum type="arabicPeriod"/>
+            </a:pPr>
+            <a:r>
+              <a:rPr lang="en-US" sz="2800" dirty="0" smtClean="0"/>
+              <a:t>Reaction Timing/Speed</a:t>
+            </a:r>
+          </a:p>
+          <a:p>
+            <a:pPr marL="457200" indent="-457200">
+              <a:buFont typeface="+mj-lt"/>
+              <a:buAutoNum type="arabicPeriod"/>
+            </a:pPr>
+            <a:endParaRPr lang="en-US" sz="2800" dirty="0" smtClean="0"/>
+          </a:p>
+          <a:p>
+            <a:pPr marL="457200" indent="-457200">
+              <a:buFont typeface="+mj-lt"/>
+              <a:buAutoNum type="arabicPeriod"/>
+            </a:pPr>
+            <a:r>
+              <a:rPr lang="en-US" sz="2800" dirty="0" smtClean="0"/>
+              <a:t>Level/Variety of Engagement</a:t>
+            </a:r>
+          </a:p>
+          <a:p>
+            <a:pPr marL="457200" indent="-457200">
+              <a:buFont typeface="+mj-lt"/>
+              <a:buAutoNum type="arabicPeriod"/>
+            </a:pPr>
+            <a:endParaRPr lang="en-US" sz="2800" dirty="0" smtClean="0"/>
+          </a:p>
+          <a:p>
+            <a:pPr marL="457200" indent="-457200">
+              <a:buFont typeface="+mj-lt"/>
+              <a:buAutoNum type="arabicPeriod"/>
+            </a:pPr>
+            <a:r>
+              <a:rPr lang="en-US" sz="2800" dirty="0" smtClean="0"/>
+              <a:t>Geographic Analysis</a:t>
+            </a:r>
+          </a:p>
+          <a:p>
+            <a:pPr marL="457200" indent="-457200">
+              <a:buFont typeface="+mj-lt"/>
+              <a:buAutoNum type="arabicPeriod"/>
+            </a:pPr>
+            <a:endParaRPr lang="en-US" sz="2800" dirty="0" smtClean="0"/>
+          </a:p>
+          <a:p>
+            <a:pPr marL="457200" indent="-457200">
+              <a:buFont typeface="+mj-lt"/>
+              <a:buAutoNum type="arabicPeriod"/>
+            </a:pPr>
+            <a:r>
+              <a:rPr lang="en-US" sz="2800" dirty="0" smtClean="0"/>
+              <a:t>Content Analysis</a:t>
+            </a:r>
+          </a:p>
+          <a:p>
+            <a:pPr marL="457200" indent="-457200">
+              <a:buFont typeface="+mj-lt"/>
+              <a:buAutoNum type="arabicPeriod"/>
+            </a:pPr>
+            <a:endParaRPr lang="en-US" dirty="0"/>
+          </a:p>
+        </p:txBody>
+      </p:sp>
+    </p:spTree>
+    <p:extLst>
+      <p:ext uri="{BB962C8B-B14F-4D97-AF65-F5344CB8AC3E}">
+        <p14:creationId xmlns:p14="http://schemas.microsoft.com/office/powerpoint/2010/main" val="2647239918"/>
+      </p:ext>
+    </p:extLst>
+  </p:cSld>
+  <p:clrMapOvr>
+    <a:masterClrMapping/>
+  </p:clrMapOvr>
+</p:sld>
+</file>
+
+<file path=ppt/slides/slide11.xml><?xml version="1.0" encoding="utf-8"?>
+<p:sld xmlns:a="http://schemas.openxmlformats.org/drawingml/2006/main" xmlns:r="http://schemas.openxmlformats.org/officeDocument/2006/relationships" xmlns:p="http://schemas.openxmlformats.org/presentationml/2006/main">
+  <p:cSld>
+    <p:spTree>
+      <p:nvGrpSpPr>
+        <p:cNvPr id="1" name=""/>
+        <p:cNvGrpSpPr/>
+        <p:nvPr/>
+      </p:nvGrpSpPr>
+      <p:grpSpPr>
+        <a:xfrm>
+          <a:off x="0" y="0"/>
+          <a:ext cx="0" cy="0"/>
+          <a:chOff x="0" y="0"/>
+          <a:chExt cx="0" cy="0"/>
+        </a:xfrm>
+      </p:grpSpPr>
+      <p:sp>
+        <p:nvSpPr>
+          <p:cNvPr id="2" name="Title 1"/>
+          <p:cNvSpPr>
+            <a:spLocks noGrp="1"/>
+          </p:cNvSpPr>
+          <p:nvPr>
+            <p:ph type="title"/>
+          </p:nvPr>
+        </p:nvSpPr>
+        <p:spPr/>
+        <p:txBody>
+          <a:bodyPr/>
+          <a:lstStyle/>
+          <a:p>
+            <a:r>
+              <a:rPr lang="en-US" b="1" dirty="0">
+                <a:solidFill>
+                  <a:srgbClr val="FFFF00"/>
+                </a:solidFill>
+              </a:rPr>
+              <a:t>Area 1. Reaction Timing/Speed</a:t>
+            </a:r>
+            <a:br>
+              <a:rPr lang="en-US" b="1" dirty="0">
+                <a:solidFill>
+                  <a:srgbClr val="FFFF00"/>
+                </a:solidFill>
+              </a:rPr>
+            </a:br>
+            <a:endParaRPr lang="en-US" b="1" dirty="0">
+              <a:solidFill>
+                <a:srgbClr val="FFFF00"/>
+              </a:solidFill>
+            </a:endParaRPr>
+          </a:p>
+        </p:txBody>
+      </p:sp>
+      <p:sp>
+        <p:nvSpPr>
+          <p:cNvPr id="3" name="Content Placeholder 2"/>
+          <p:cNvSpPr>
+            <a:spLocks noGrp="1"/>
+          </p:cNvSpPr>
+          <p:nvPr>
+            <p:ph idx="1"/>
+          </p:nvPr>
+        </p:nvSpPr>
+        <p:spPr/>
+        <p:txBody>
+          <a:bodyPr/>
+          <a:lstStyle/>
+          <a:p>
+            <a:pPr marL="457200" indent="-457200">
+              <a:buFont typeface="+mj-lt"/>
+              <a:buAutoNum type="arabicPeriod"/>
+            </a:pPr>
+            <a:endParaRPr lang="en-US" dirty="0"/>
+          </a:p>
+        </p:txBody>
+      </p:sp>
+    </p:spTree>
+    <p:extLst>
+      <p:ext uri="{BB962C8B-B14F-4D97-AF65-F5344CB8AC3E}">
+        <p14:creationId xmlns:p14="http://schemas.microsoft.com/office/powerpoint/2010/main" val="2893403269"/>
+      </p:ext>
+    </p:extLst>
+  </p:cSld>
+  <p:clrMapOvr>
+    <a:masterClrMapping/>
+  </p:clrMapOvr>
+</p:sld>
+</file>
+
+<file path=ppt/slides/slide12.xml><?xml version="1.0" encoding="utf-8"?>
+<p:sld xmlns:a="http://schemas.openxmlformats.org/drawingml/2006/main" xmlns:r="http://schemas.openxmlformats.org/officeDocument/2006/relationships" xmlns:p="http://schemas.openxmlformats.org/presentationml/2006/main">
+  <p:cSld>
+    <p:spTree>
+      <p:nvGrpSpPr>
+        <p:cNvPr id="1" name=""/>
+        <p:cNvGrpSpPr/>
+        <p:nvPr/>
+      </p:nvGrpSpPr>
+      <p:grpSpPr>
+        <a:xfrm>
+          <a:off x="0" y="0"/>
+          <a:ext cx="0" cy="0"/>
+          <a:chOff x="0" y="0"/>
+          <a:chExt cx="0" cy="0"/>
+        </a:xfrm>
+      </p:grpSpPr>
+      <p:sp>
+        <p:nvSpPr>
+          <p:cNvPr id="2" name="Title 1"/>
+          <p:cNvSpPr>
+            <a:spLocks noGrp="1"/>
+          </p:cNvSpPr>
+          <p:nvPr>
+            <p:ph type="title"/>
+          </p:nvPr>
+        </p:nvSpPr>
+        <p:spPr/>
+        <p:txBody>
+          <a:bodyPr/>
+          <a:lstStyle/>
+          <a:p>
+            <a:r>
+              <a:rPr lang="en-US" b="1" dirty="0">
+                <a:solidFill>
+                  <a:srgbClr val="FFFF00"/>
+                </a:solidFill>
+              </a:rPr>
+              <a:t>Area 2. Level/Variety of Engagement</a:t>
+            </a:r>
+            <a:br>
+              <a:rPr lang="en-US" b="1" dirty="0">
+                <a:solidFill>
+                  <a:srgbClr val="FFFF00"/>
+                </a:solidFill>
+              </a:rPr>
+            </a:br>
+            <a:endParaRPr lang="en-US" b="1" dirty="0">
+              <a:solidFill>
+                <a:srgbClr val="FFFF00"/>
+              </a:solidFill>
+            </a:endParaRPr>
+          </a:p>
+        </p:txBody>
+      </p:sp>
+      <p:sp>
+        <p:nvSpPr>
+          <p:cNvPr id="3" name="Content Placeholder 2"/>
+          <p:cNvSpPr>
+            <a:spLocks noGrp="1"/>
+          </p:cNvSpPr>
+          <p:nvPr>
+            <p:ph idx="1"/>
+          </p:nvPr>
+        </p:nvSpPr>
+        <p:spPr/>
+        <p:txBody>
+          <a:bodyPr/>
+          <a:lstStyle/>
+          <a:p>
+            <a:pPr marL="457200" indent="-457200">
+              <a:buFont typeface="+mj-lt"/>
+              <a:buAutoNum type="arabicPeriod"/>
+            </a:pPr>
+            <a:endParaRPr lang="en-US" dirty="0"/>
+          </a:p>
+        </p:txBody>
+      </p:sp>
+    </p:spTree>
+    <p:extLst>
+      <p:ext uri="{BB962C8B-B14F-4D97-AF65-F5344CB8AC3E}">
+        <p14:creationId xmlns:p14="http://schemas.microsoft.com/office/powerpoint/2010/main" val="1064257207"/>
+      </p:ext>
+    </p:extLst>
+  </p:cSld>
+  <p:clrMapOvr>
+    <a:masterClrMapping/>
+  </p:clrMapOvr>
+</p:sld>
+</file>
+
+<file path=ppt/slides/slide13.xml><?xml version="1.0" encoding="utf-8"?>
+<p:sld xmlns:a="http://schemas.openxmlformats.org/drawingml/2006/main" xmlns:r="http://schemas.openxmlformats.org/officeDocument/2006/relationships" xmlns:p="http://schemas.openxmlformats.org/presentationml/2006/main">
+  <p:cSld>
+    <p:spTree>
+      <p:nvGrpSpPr>
+        <p:cNvPr id="1" name=""/>
+        <p:cNvGrpSpPr/>
+        <p:nvPr/>
+      </p:nvGrpSpPr>
+      <p:grpSpPr>
+        <a:xfrm>
+          <a:off x="0" y="0"/>
+          <a:ext cx="0" cy="0"/>
+          <a:chOff x="0" y="0"/>
+          <a:chExt cx="0" cy="0"/>
+        </a:xfrm>
+      </p:grpSpPr>
+      <p:sp>
+        <p:nvSpPr>
+          <p:cNvPr id="2" name="Title 1"/>
+          <p:cNvSpPr>
+            <a:spLocks noGrp="1"/>
+          </p:cNvSpPr>
+          <p:nvPr>
+            <p:ph type="title"/>
+          </p:nvPr>
+        </p:nvSpPr>
+        <p:spPr/>
+        <p:txBody>
+          <a:bodyPr/>
+          <a:lstStyle/>
+          <a:p>
+            <a:r>
+              <a:rPr lang="en-US" b="1" dirty="0">
+                <a:solidFill>
+                  <a:srgbClr val="FFFF00"/>
+                </a:solidFill>
+              </a:rPr>
+              <a:t>Area 3. Geographic Analysis</a:t>
+            </a:r>
+            <a:br>
+              <a:rPr lang="en-US" b="1" dirty="0">
+                <a:solidFill>
+                  <a:srgbClr val="FFFF00"/>
+                </a:solidFill>
+              </a:rPr>
+            </a:br>
+            <a:endParaRPr lang="en-US" b="1" dirty="0">
+              <a:solidFill>
+                <a:srgbClr val="FFFF00"/>
+              </a:solidFill>
+            </a:endParaRPr>
+          </a:p>
+        </p:txBody>
+      </p:sp>
+      <p:sp>
+        <p:nvSpPr>
+          <p:cNvPr id="3" name="Content Placeholder 2"/>
+          <p:cNvSpPr>
+            <a:spLocks noGrp="1"/>
+          </p:cNvSpPr>
+          <p:nvPr>
+            <p:ph idx="1"/>
+          </p:nvPr>
+        </p:nvSpPr>
+        <p:spPr/>
+        <p:txBody>
+          <a:bodyPr>
+            <a:normAutofit lnSpcReduction="10000"/>
+          </a:bodyPr>
+          <a:lstStyle/>
+          <a:p>
+            <a:pPr marL="0" indent="0">
+              <a:buNone/>
+            </a:pPr>
+            <a:r>
+              <a:rPr lang="en-US" sz="2400" b="1" dirty="0" smtClean="0">
+                <a:solidFill>
+                  <a:srgbClr val="00FFFF"/>
+                </a:solidFill>
+              </a:rPr>
+              <a:t>Analysis Summary</a:t>
+            </a:r>
+          </a:p>
+          <a:p>
+            <a:pPr marL="0" indent="0">
+              <a:buNone/>
+            </a:pPr>
+            <a:endParaRPr lang="en-US" sz="2400" b="1" dirty="0" smtClean="0">
+              <a:solidFill>
+                <a:srgbClr val="00FFFF"/>
+              </a:solidFill>
+            </a:endParaRPr>
+          </a:p>
+          <a:p>
+            <a:r>
+              <a:rPr lang="en-US" sz="2400" dirty="0" smtClean="0"/>
+              <a:t>Limited tweet geolocation data</a:t>
+            </a:r>
+          </a:p>
+          <a:p>
+            <a:endParaRPr lang="en-US" sz="2400" dirty="0"/>
+          </a:p>
+          <a:p>
+            <a:r>
+              <a:rPr lang="en-US" sz="2400" dirty="0" smtClean="0"/>
+              <a:t>Sophisticated geospatial analysis not really feasible</a:t>
+            </a:r>
+          </a:p>
+          <a:p>
+            <a:endParaRPr lang="en-US" sz="2400" dirty="0"/>
+          </a:p>
+          <a:p>
+            <a:r>
+              <a:rPr lang="en-US" sz="2400" dirty="0" smtClean="0"/>
+              <a:t>580 of 2723 (21%) tweets had geolocation data</a:t>
+            </a:r>
+          </a:p>
+          <a:p>
+            <a:endParaRPr lang="en-US" sz="2400" dirty="0"/>
+          </a:p>
+          <a:p>
+            <a:r>
+              <a:rPr lang="en-US" sz="2400" dirty="0" smtClean="0"/>
+              <a:t>Mostly U.S. eastern seaboard cities</a:t>
+            </a:r>
+            <a:endParaRPr lang="en-US" sz="2400" dirty="0"/>
+          </a:p>
+          <a:p>
+            <a:endParaRPr lang="en-US" sz="2400" dirty="0" smtClean="0"/>
+          </a:p>
+          <a:p>
+            <a:endParaRPr lang="en-US" sz="2400" dirty="0" smtClean="0"/>
+          </a:p>
+          <a:p>
+            <a:endParaRPr lang="en-US" sz="2400" dirty="0"/>
+          </a:p>
+          <a:p>
+            <a:pPr marL="0" indent="0">
+              <a:buNone/>
+            </a:pPr>
+            <a:endParaRPr lang="en-US" sz="2400" b="1" dirty="0" smtClean="0">
+              <a:solidFill>
+                <a:srgbClr val="00FFFF"/>
+              </a:solidFill>
+            </a:endParaRPr>
+          </a:p>
+          <a:p>
+            <a:pPr marL="0" indent="0">
+              <a:buNone/>
+            </a:pPr>
+            <a:endParaRPr lang="en-US" sz="2400" b="1" dirty="0">
+              <a:solidFill>
+                <a:srgbClr val="00FFFF"/>
+              </a:solidFill>
+            </a:endParaRPr>
+          </a:p>
+        </p:txBody>
+      </p:sp>
+    </p:spTree>
+    <p:extLst>
+      <p:ext uri="{BB962C8B-B14F-4D97-AF65-F5344CB8AC3E}">
+        <p14:creationId xmlns:p14="http://schemas.microsoft.com/office/powerpoint/2010/main" val="2526611753"/>
+      </p:ext>
+    </p:extLst>
+  </p:cSld>
+  <p:clrMapOvr>
+    <a:masterClrMapping/>
+  </p:clrMapOvr>
+</p:sld>
+</file>
+
+<file path=ppt/slides/slide14.xml><?xml version="1.0" encoding="utf-8"?>
+<p:sld xmlns:a="http://schemas.openxmlformats.org/drawingml/2006/main" xmlns:r="http://schemas.openxmlformats.org/officeDocument/2006/relationships" xmlns:p="http://schemas.openxmlformats.org/presentationml/2006/main">
+  <p:cSld>
+    <p:spTree>
+      <p:nvGrpSpPr>
+        <p:cNvPr id="1" name=""/>
+        <p:cNvGrpSpPr/>
+        <p:nvPr/>
+      </p:nvGrpSpPr>
+      <p:grpSpPr>
+        <a:xfrm>
+          <a:off x="0" y="0"/>
+          <a:ext cx="0" cy="0"/>
+          <a:chOff x="0" y="0"/>
+          <a:chExt cx="0" cy="0"/>
+        </a:xfrm>
+      </p:grpSpPr>
+      <p:sp>
+        <p:nvSpPr>
+          <p:cNvPr id="2" name="Title 1"/>
+          <p:cNvSpPr>
+            <a:spLocks noGrp="1"/>
+          </p:cNvSpPr>
+          <p:nvPr>
+            <p:ph type="title"/>
+          </p:nvPr>
+        </p:nvSpPr>
+        <p:spPr/>
+        <p:txBody>
+          <a:bodyPr/>
+          <a:lstStyle/>
+          <a:p>
+            <a:r>
               <a:rPr lang="en-US" b="1" dirty="0">
                 <a:solidFill>
                   <a:srgbClr val="FFFF00"/>
@@ -7037,7 +7539,7 @@
 </p:sld>
 </file>
 
-<file path=ppt/slides/slide11.xml><?xml version="1.0" encoding="utf-8"?>
+<file path=ppt/slides/slide15.xml><?xml version="1.0" encoding="utf-8"?>
 <p:sld xmlns:a="http://schemas.openxmlformats.org/drawingml/2006/main" xmlns:r="http://schemas.openxmlformats.org/officeDocument/2006/relationships" xmlns:p="http://schemas.openxmlformats.org/presentationml/2006/main">
   <p:cSld>
     <p:spTree>
@@ -7176,7 +7678,7 @@
 </p:sld>
 </file>
 
-<file path=ppt/slides/slide12.xml><?xml version="1.0" encoding="utf-8"?>
+<file path=ppt/slides/slide16.xml><?xml version="1.0" encoding="utf-8"?>
 <p:sld xmlns:a="http://schemas.openxmlformats.org/drawingml/2006/main" xmlns:r="http://schemas.openxmlformats.org/officeDocument/2006/relationships" xmlns:p="http://schemas.openxmlformats.org/presentationml/2006/main">
   <p:cSld>
     <p:spTree>
@@ -7261,19 +7763,13 @@
             </a:r>
           </a:p>
           <a:p>
-            <a:pPr marL="0" indent="0">
-              <a:buNone/>
-            </a:pPr>
-            <a:endParaRPr lang="en-US" sz="2400" b="1" dirty="0" smtClean="0">
-              <a:solidFill>
-                <a:srgbClr val="00FFFF"/>
-              </a:solidFill>
-            </a:endParaRPr>
-          </a:p>
-          <a:p>
             <a:r>
               <a:rPr lang="en-US" sz="2400" dirty="0" smtClean="0"/>
-              <a:t>On-demand update and reproduction</a:t>
+              <a:t>On-demand </a:t>
+            </a:r>
+            <a:r>
+              <a:rPr lang="en-US" sz="2400" dirty="0" smtClean="0"/>
+              <a:t>update and reproduction</a:t>
             </a:r>
           </a:p>
           <a:p>
@@ -7332,7 +7828,7 @@
 </p:sld>
 </file>
 
-<file path=ppt/slides/slide13.xml><?xml version="1.0" encoding="utf-8"?>
+<file path=ppt/slides/slide17.xml><?xml version="1.0" encoding="utf-8"?>
 <p:sld xmlns:a="http://schemas.openxmlformats.org/drawingml/2006/main" xmlns:r="http://schemas.openxmlformats.org/officeDocument/2006/relationships" xmlns:p="http://schemas.openxmlformats.org/presentationml/2006/main">
   <p:cSld>
     <p:spTree>
@@ -7399,14 +7895,16 @@
         </p:nvSpPr>
         <p:spPr/>
         <p:txBody>
-          <a:bodyPr/>
+          <a:bodyPr>
+            <a:normAutofit fontScale="92500"/>
+          </a:bodyPr>
           <a:lstStyle/>
           <a:p>
             <a:pPr marL="0" indent="0">
               <a:buNone/>
             </a:pPr>
             <a:r>
-              <a:rPr lang="en-US" b="1" dirty="0">
+              <a:rPr lang="en-US" sz="2400" b="1" dirty="0">
                 <a:solidFill>
                   <a:srgbClr val="00FFFF"/>
                 </a:solidFill>
@@ -7416,29 +7914,47 @@
           </a:p>
           <a:p>
             <a:r>
-              <a:rPr lang="en-US" dirty="0" smtClean="0"/>
-              <a:t>Not a ton of substantive discussion of issues in tweets</a:t>
-            </a:r>
-            <a:endParaRPr lang="en-US" dirty="0"/>
-          </a:p>
-          <a:p>
-            <a:endParaRPr lang="en-US" dirty="0"/>
-          </a:p>
-          <a:p>
-            <a:r>
-              <a:rPr lang="en-US" dirty="0" smtClean="0"/>
-              <a:t>Most tweets were advertisements for articles/webinars about BPCIA, but didn’t contain substantive language</a:t>
-            </a:r>
-          </a:p>
-          <a:p>
-            <a:endParaRPr lang="en-US" dirty="0"/>
-          </a:p>
-          <a:p>
-            <a:r>
-              <a:rPr lang="en-US" dirty="0" smtClean="0"/>
-              <a:t>As a result, NLP methods produced pretty noisy results that can be difficult to interpret</a:t>
-            </a:r>
-            <a:endParaRPr lang="en-US" dirty="0"/>
+              <a:rPr lang="en-US" sz="2400" dirty="0" smtClean="0"/>
+              <a:t>Most were </a:t>
+            </a:r>
+            <a:r>
+              <a:rPr lang="en-US" sz="2400" dirty="0" smtClean="0"/>
+              <a:t>advertisements for articles/webinars about BPCIA, but didn’t contain </a:t>
+            </a:r>
+            <a:r>
+              <a:rPr lang="en-US" sz="2400" dirty="0" smtClean="0"/>
+              <a:t>substantive or sentimental language</a:t>
+            </a:r>
+          </a:p>
+          <a:p>
+            <a:endParaRPr lang="en-US" sz="2400" dirty="0"/>
+          </a:p>
+          <a:p>
+            <a:r>
+              <a:rPr lang="en-US" sz="2400" dirty="0"/>
+              <a:t>As a result, NLP methods produced somewhat noisy and difficult to interpret results</a:t>
+            </a:r>
+          </a:p>
+          <a:p>
+            <a:endParaRPr lang="en-US" sz="2400" dirty="0" smtClean="0"/>
+          </a:p>
+          <a:p>
+            <a:r>
+              <a:rPr lang="en-US" sz="2400" dirty="0" smtClean="0"/>
+              <a:t>Scattered substantive </a:t>
+            </a:r>
+            <a:r>
+              <a:rPr lang="en-US" sz="2400" dirty="0"/>
+              <a:t>discussion of issues in </a:t>
+            </a:r>
+            <a:r>
+              <a:rPr lang="en-US" sz="2400" dirty="0" smtClean="0"/>
+              <a:t>tweets identified in sentiment analysis. Automated detection of issues difficult.</a:t>
+            </a:r>
+            <a:endParaRPr lang="en-US" sz="2400" dirty="0" smtClean="0"/>
+          </a:p>
+          <a:p>
+            <a:endParaRPr lang="en-US" sz="2400" dirty="0"/>
           </a:p>
           <a:p>
             <a:pPr marL="0" indent="0">
@@ -7458,6 +7974,297 @@
     <p:extLst>
       <p:ext uri="{BB962C8B-B14F-4D97-AF65-F5344CB8AC3E}">
         <p14:creationId xmlns:p14="http://schemas.microsoft.com/office/powerpoint/2010/main" val="3918746319"/>
+      </p:ext>
+    </p:extLst>
+  </p:cSld>
+  <p:clrMapOvr>
+    <a:masterClrMapping/>
+  </p:clrMapOvr>
+</p:sld>
+</file>
+
+<file path=ppt/slides/slide18.xml><?xml version="1.0" encoding="utf-8"?>
+<p:sld xmlns:a="http://schemas.openxmlformats.org/drawingml/2006/main" xmlns:r="http://schemas.openxmlformats.org/officeDocument/2006/relationships" xmlns:p="http://schemas.openxmlformats.org/presentationml/2006/main">
+  <p:cSld>
+    <p:spTree>
+      <p:nvGrpSpPr>
+        <p:cNvPr id="1" name=""/>
+        <p:cNvGrpSpPr/>
+        <p:nvPr/>
+      </p:nvGrpSpPr>
+      <p:grpSpPr>
+        <a:xfrm>
+          <a:off x="0" y="0"/>
+          <a:ext cx="0" cy="0"/>
+          <a:chOff x="0" y="0"/>
+          <a:chExt cx="0" cy="0"/>
+        </a:xfrm>
+      </p:grpSpPr>
+      <p:sp>
+        <p:nvSpPr>
+          <p:cNvPr id="2" name="Title 1"/>
+          <p:cNvSpPr>
+            <a:spLocks noGrp="1"/>
+          </p:cNvSpPr>
+          <p:nvPr>
+            <p:ph type="title"/>
+          </p:nvPr>
+        </p:nvSpPr>
+        <p:spPr/>
+        <p:txBody>
+          <a:bodyPr/>
+          <a:lstStyle/>
+          <a:p>
+            <a:r>
+              <a:rPr lang="en-US" b="1" dirty="0">
+                <a:solidFill>
+                  <a:srgbClr val="FFFF00"/>
+                </a:solidFill>
+              </a:rPr>
+              <a:t>Area 4. Content Analysis</a:t>
+            </a:r>
+            <a:br>
+              <a:rPr lang="en-US" b="1" dirty="0">
+                <a:solidFill>
+                  <a:srgbClr val="FFFF00"/>
+                </a:solidFill>
+              </a:rPr>
+            </a:br>
+            <a:endParaRPr lang="en-US" b="1" dirty="0">
+              <a:solidFill>
+                <a:srgbClr val="FFFF00"/>
+              </a:solidFill>
+            </a:endParaRPr>
+          </a:p>
+        </p:txBody>
+      </p:sp>
+      <p:sp>
+        <p:nvSpPr>
+          <p:cNvPr id="7" name="Content Placeholder 2"/>
+          <p:cNvSpPr>
+            <a:spLocks noGrp="1"/>
+          </p:cNvSpPr>
+          <p:nvPr>
+            <p:ph idx="1"/>
+          </p:nvPr>
+        </p:nvSpPr>
+        <p:spPr>
+          <a:xfrm>
+            <a:off x="1103312" y="2052918"/>
+            <a:ext cx="8946541" cy="4195481"/>
+          </a:xfrm>
+        </p:spPr>
+        <p:txBody>
+          <a:bodyPr/>
+          <a:lstStyle/>
+          <a:p>
+            <a:r>
+              <a:rPr lang="en-US" sz="2400" dirty="0" smtClean="0"/>
+              <a:t>Scored each tweet’s sentiment positive/ neutral/ negative sentiment from 0-1. Sample extremes:</a:t>
+            </a:r>
+          </a:p>
+          <a:p>
+            <a:endParaRPr lang="en-US" sz="2400" dirty="0" smtClean="0"/>
+          </a:p>
+          <a:p>
+            <a:endParaRPr lang="en-US" sz="2400" dirty="0"/>
+          </a:p>
+          <a:p>
+            <a:endParaRPr lang="en-US" sz="2400" dirty="0" smtClean="0"/>
+          </a:p>
+          <a:p>
+            <a:endParaRPr lang="en-US" sz="2400" dirty="0"/>
+          </a:p>
+          <a:p>
+            <a:endParaRPr lang="en-US" sz="2400" dirty="0" smtClean="0"/>
+          </a:p>
+          <a:p>
+            <a:r>
+              <a:rPr lang="en-US" sz="2400" dirty="0" smtClean="0"/>
+              <a:t>Can sort tweets by sentiment score in GUI. There is some noise in scores though.</a:t>
+            </a:r>
+            <a:endParaRPr lang="en-US" sz="2400" dirty="0" smtClean="0"/>
+          </a:p>
+        </p:txBody>
+      </p:sp>
+      <p:pic>
+        <p:nvPicPr>
+          <p:cNvPr id="3" name="Picture 2"/>
+          <p:cNvPicPr>
+            <a:picLocks noChangeAspect="1"/>
+          </p:cNvPicPr>
+          <p:nvPr/>
+        </p:nvPicPr>
+        <p:blipFill>
+          <a:blip r:embed="rId2"/>
+          <a:stretch>
+            <a:fillRect/>
+          </a:stretch>
+        </p:blipFill>
+        <p:spPr>
+          <a:xfrm>
+            <a:off x="557813" y="3036233"/>
+            <a:ext cx="5705475" cy="2228850"/>
+          </a:xfrm>
+          <a:prstGeom prst="rect">
+            <a:avLst/>
+          </a:prstGeom>
+        </p:spPr>
+      </p:pic>
+      <p:pic>
+        <p:nvPicPr>
+          <p:cNvPr id="5" name="Picture 4"/>
+          <p:cNvPicPr>
+            <a:picLocks noChangeAspect="1"/>
+          </p:cNvPicPr>
+          <p:nvPr/>
+        </p:nvPicPr>
+        <p:blipFill>
+          <a:blip r:embed="rId3"/>
+          <a:stretch>
+            <a:fillRect/>
+          </a:stretch>
+        </p:blipFill>
+        <p:spPr>
+          <a:xfrm>
+            <a:off x="6423861" y="3057957"/>
+            <a:ext cx="5600700" cy="1847850"/>
+          </a:xfrm>
+          <a:prstGeom prst="rect">
+            <a:avLst/>
+          </a:prstGeom>
+        </p:spPr>
+      </p:pic>
+    </p:spTree>
+    <p:extLst>
+      <p:ext uri="{BB962C8B-B14F-4D97-AF65-F5344CB8AC3E}">
+        <p14:creationId xmlns:p14="http://schemas.microsoft.com/office/powerpoint/2010/main" val="1258083389"/>
+      </p:ext>
+    </p:extLst>
+  </p:cSld>
+  <p:clrMapOvr>
+    <a:masterClrMapping/>
+  </p:clrMapOvr>
+</p:sld>
+</file>
+
+<file path=ppt/slides/slide19.xml><?xml version="1.0" encoding="utf-8"?>
+<p:sld xmlns:a="http://schemas.openxmlformats.org/drawingml/2006/main" xmlns:r="http://schemas.openxmlformats.org/officeDocument/2006/relationships" xmlns:p="http://schemas.openxmlformats.org/presentationml/2006/main">
+  <p:cSld>
+    <p:spTree>
+      <p:nvGrpSpPr>
+        <p:cNvPr id="1" name=""/>
+        <p:cNvGrpSpPr/>
+        <p:nvPr/>
+      </p:nvGrpSpPr>
+      <p:grpSpPr>
+        <a:xfrm>
+          <a:off x="0" y="0"/>
+          <a:ext cx="0" cy="0"/>
+          <a:chOff x="0" y="0"/>
+          <a:chExt cx="0" cy="0"/>
+        </a:xfrm>
+      </p:grpSpPr>
+      <p:sp>
+        <p:nvSpPr>
+          <p:cNvPr id="2" name="Title 1"/>
+          <p:cNvSpPr>
+            <a:spLocks noGrp="1"/>
+          </p:cNvSpPr>
+          <p:nvPr>
+            <p:ph type="title"/>
+          </p:nvPr>
+        </p:nvSpPr>
+        <p:spPr/>
+        <p:txBody>
+          <a:bodyPr/>
+          <a:lstStyle/>
+          <a:p>
+            <a:r>
+              <a:rPr lang="en-US" b="1" dirty="0">
+                <a:solidFill>
+                  <a:srgbClr val="FFFF00"/>
+                </a:solidFill>
+              </a:rPr>
+              <a:t>Area 4. Content Analysis</a:t>
+            </a:r>
+            <a:br>
+              <a:rPr lang="en-US" b="1" dirty="0">
+                <a:solidFill>
+                  <a:srgbClr val="FFFF00"/>
+                </a:solidFill>
+              </a:rPr>
+            </a:br>
+            <a:endParaRPr lang="en-US" b="1" dirty="0">
+              <a:solidFill>
+                <a:srgbClr val="FFFF00"/>
+              </a:solidFill>
+            </a:endParaRPr>
+          </a:p>
+        </p:txBody>
+      </p:sp>
+      <p:sp>
+        <p:nvSpPr>
+          <p:cNvPr id="7" name="Content Placeholder 2"/>
+          <p:cNvSpPr>
+            <a:spLocks noGrp="1"/>
+          </p:cNvSpPr>
+          <p:nvPr>
+            <p:ph idx="1"/>
+          </p:nvPr>
+        </p:nvSpPr>
+        <p:spPr>
+          <a:xfrm>
+            <a:off x="1103312" y="2052918"/>
+            <a:ext cx="8946541" cy="4195481"/>
+          </a:xfrm>
+        </p:spPr>
+        <p:txBody>
+          <a:bodyPr/>
+          <a:lstStyle/>
+          <a:p>
+            <a:r>
+              <a:rPr lang="en-US" sz="2400" dirty="0" smtClean="0"/>
+              <a:t>Positive tweets tend to be general banalities </a:t>
+            </a:r>
+          </a:p>
+          <a:p>
+            <a:endParaRPr lang="en-US" sz="2400" dirty="0"/>
+          </a:p>
+          <a:p>
+            <a:r>
+              <a:rPr lang="en-US" sz="2400" dirty="0" smtClean="0"/>
+              <a:t>Negative tweets do point out some issues, and are worth monitoring</a:t>
+            </a:r>
+            <a:endParaRPr lang="en-US" sz="2400" dirty="0" smtClean="0"/>
+          </a:p>
+          <a:p>
+            <a:endParaRPr lang="en-US" sz="2400" dirty="0" smtClean="0"/>
+          </a:p>
+          <a:p>
+            <a:r>
+              <a:rPr lang="en-US" sz="2400" dirty="0" smtClean="0"/>
+              <a:t>Some issues found in negative tweets…</a:t>
+            </a:r>
+          </a:p>
+          <a:p>
+            <a:endParaRPr lang="en-US" sz="2400" dirty="0"/>
+          </a:p>
+          <a:p>
+            <a:endParaRPr lang="en-US" sz="2400" dirty="0" smtClean="0"/>
+          </a:p>
+          <a:p>
+            <a:endParaRPr lang="en-US" sz="2400" dirty="0"/>
+          </a:p>
+          <a:p>
+            <a:endParaRPr lang="en-US" sz="2400" dirty="0" smtClean="0"/>
+          </a:p>
+        </p:txBody>
+      </p:sp>
+    </p:spTree>
+    <p:extLst>
+      <p:ext uri="{BB962C8B-B14F-4D97-AF65-F5344CB8AC3E}">
+        <p14:creationId xmlns:p14="http://schemas.microsoft.com/office/powerpoint/2010/main" val="3856447051"/>
       </p:ext>
     </p:extLst>
   </p:cSld>
@@ -7618,6 +8425,677 @@
     <p:extLst>
       <p:ext uri="{BB962C8B-B14F-4D97-AF65-F5344CB8AC3E}">
         <p14:creationId xmlns:p14="http://schemas.microsoft.com/office/powerpoint/2010/main" val="462644514"/>
+      </p:ext>
+    </p:extLst>
+  </p:cSld>
+  <p:clrMapOvr>
+    <a:masterClrMapping/>
+  </p:clrMapOvr>
+</p:sld>
+</file>
+
+<file path=ppt/slides/slide20.xml><?xml version="1.0" encoding="utf-8"?>
+<p:sld xmlns:a="http://schemas.openxmlformats.org/drawingml/2006/main" xmlns:r="http://schemas.openxmlformats.org/officeDocument/2006/relationships" xmlns:p="http://schemas.openxmlformats.org/presentationml/2006/main">
+  <p:cSld>
+    <p:spTree>
+      <p:nvGrpSpPr>
+        <p:cNvPr id="1" name=""/>
+        <p:cNvGrpSpPr/>
+        <p:nvPr/>
+      </p:nvGrpSpPr>
+      <p:grpSpPr>
+        <a:xfrm>
+          <a:off x="0" y="0"/>
+          <a:ext cx="0" cy="0"/>
+          <a:chOff x="0" y="0"/>
+          <a:chExt cx="0" cy="0"/>
+        </a:xfrm>
+      </p:grpSpPr>
+      <p:sp>
+        <p:nvSpPr>
+          <p:cNvPr id="2" name="Title 1"/>
+          <p:cNvSpPr>
+            <a:spLocks noGrp="1"/>
+          </p:cNvSpPr>
+          <p:nvPr>
+            <p:ph type="title"/>
+          </p:nvPr>
+        </p:nvSpPr>
+        <p:spPr/>
+        <p:txBody>
+          <a:bodyPr/>
+          <a:lstStyle/>
+          <a:p>
+            <a:r>
+              <a:rPr lang="en-US" b="1" dirty="0">
+                <a:solidFill>
+                  <a:srgbClr val="FFFF00"/>
+                </a:solidFill>
+              </a:rPr>
+              <a:t>Area 4. Content Analysis</a:t>
+            </a:r>
+            <a:br>
+              <a:rPr lang="en-US" b="1" dirty="0">
+                <a:solidFill>
+                  <a:srgbClr val="FFFF00"/>
+                </a:solidFill>
+              </a:rPr>
+            </a:br>
+            <a:endParaRPr lang="en-US" b="1" dirty="0">
+              <a:solidFill>
+                <a:srgbClr val="FFFF00"/>
+              </a:solidFill>
+            </a:endParaRPr>
+          </a:p>
+        </p:txBody>
+      </p:sp>
+      <p:sp>
+        <p:nvSpPr>
+          <p:cNvPr id="7" name="Content Placeholder 2"/>
+          <p:cNvSpPr>
+            <a:spLocks noGrp="1"/>
+          </p:cNvSpPr>
+          <p:nvPr>
+            <p:ph idx="1"/>
+          </p:nvPr>
+        </p:nvSpPr>
+        <p:spPr>
+          <a:xfrm>
+            <a:off x="1103312" y="2052918"/>
+            <a:ext cx="8946541" cy="4195481"/>
+          </a:xfrm>
+        </p:spPr>
+        <p:txBody>
+          <a:bodyPr/>
+          <a:lstStyle/>
+          <a:p>
+            <a:r>
+              <a:rPr lang="en-US" sz="2400" dirty="0" smtClean="0"/>
+              <a:t>Positive tweets tend to be general banalities </a:t>
+            </a:r>
+          </a:p>
+          <a:p>
+            <a:endParaRPr lang="en-US" sz="2400" dirty="0"/>
+          </a:p>
+          <a:p>
+            <a:r>
+              <a:rPr lang="en-US" sz="2400" dirty="0" smtClean="0"/>
+              <a:t>Negative tweets do point out some issues, and are worth monitoring</a:t>
+            </a:r>
+            <a:endParaRPr lang="en-US" sz="2400" dirty="0" smtClean="0"/>
+          </a:p>
+          <a:p>
+            <a:endParaRPr lang="en-US" sz="2400" dirty="0" smtClean="0"/>
+          </a:p>
+          <a:p>
+            <a:r>
+              <a:rPr lang="en-US" sz="2400" dirty="0" smtClean="0"/>
+              <a:t>Some issues found in negative tweets…</a:t>
+            </a:r>
+          </a:p>
+          <a:p>
+            <a:endParaRPr lang="en-US" sz="2400" dirty="0"/>
+          </a:p>
+          <a:p>
+            <a:endParaRPr lang="en-US" sz="2400" dirty="0" smtClean="0"/>
+          </a:p>
+          <a:p>
+            <a:endParaRPr lang="en-US" sz="2400" dirty="0"/>
+          </a:p>
+          <a:p>
+            <a:endParaRPr lang="en-US" sz="2400" dirty="0" smtClean="0"/>
+          </a:p>
+        </p:txBody>
+      </p:sp>
+    </p:spTree>
+    <p:extLst>
+      <p:ext uri="{BB962C8B-B14F-4D97-AF65-F5344CB8AC3E}">
+        <p14:creationId xmlns:p14="http://schemas.microsoft.com/office/powerpoint/2010/main" val="1357851762"/>
+      </p:ext>
+    </p:extLst>
+  </p:cSld>
+  <p:clrMapOvr>
+    <a:masterClrMapping/>
+  </p:clrMapOvr>
+</p:sld>
+</file>
+
+<file path=ppt/slides/slide21.xml><?xml version="1.0" encoding="utf-8"?>
+<p:sld xmlns:a="http://schemas.openxmlformats.org/drawingml/2006/main" xmlns:r="http://schemas.openxmlformats.org/officeDocument/2006/relationships" xmlns:p="http://schemas.openxmlformats.org/presentationml/2006/main">
+  <p:cSld>
+    <p:spTree>
+      <p:nvGrpSpPr>
+        <p:cNvPr id="1" name=""/>
+        <p:cNvGrpSpPr/>
+        <p:nvPr/>
+      </p:nvGrpSpPr>
+      <p:grpSpPr>
+        <a:xfrm>
+          <a:off x="0" y="0"/>
+          <a:ext cx="0" cy="0"/>
+          <a:chOff x="0" y="0"/>
+          <a:chExt cx="0" cy="0"/>
+        </a:xfrm>
+      </p:grpSpPr>
+      <p:sp>
+        <p:nvSpPr>
+          <p:cNvPr id="2" name="Title 1"/>
+          <p:cNvSpPr>
+            <a:spLocks noGrp="1"/>
+          </p:cNvSpPr>
+          <p:nvPr>
+            <p:ph type="title"/>
+          </p:nvPr>
+        </p:nvSpPr>
+        <p:spPr/>
+        <p:txBody>
+          <a:bodyPr/>
+          <a:lstStyle/>
+          <a:p>
+            <a:r>
+              <a:rPr lang="en-US" b="1" dirty="0">
+                <a:solidFill>
+                  <a:srgbClr val="FFFF00"/>
+                </a:solidFill>
+              </a:rPr>
+              <a:t>Area 4. Content Analysis</a:t>
+            </a:r>
+            <a:br>
+              <a:rPr lang="en-US" b="1" dirty="0">
+                <a:solidFill>
+                  <a:srgbClr val="FFFF00"/>
+                </a:solidFill>
+              </a:rPr>
+            </a:br>
+            <a:endParaRPr lang="en-US" b="1" dirty="0">
+              <a:solidFill>
+                <a:srgbClr val="FFFF00"/>
+              </a:solidFill>
+            </a:endParaRPr>
+          </a:p>
+        </p:txBody>
+      </p:sp>
+      <p:pic>
+        <p:nvPicPr>
+          <p:cNvPr id="6" name="Picture 5"/>
+          <p:cNvPicPr>
+            <a:picLocks noChangeAspect="1"/>
+          </p:cNvPicPr>
+          <p:nvPr/>
+        </p:nvPicPr>
+        <p:blipFill rotWithShape="1">
+          <a:blip r:embed="rId2"/>
+          <a:srcRect l="5985" r="6376"/>
+          <a:stretch/>
+        </p:blipFill>
+        <p:spPr>
+          <a:xfrm>
+            <a:off x="5149516" y="1515134"/>
+            <a:ext cx="6554804" cy="4487600"/>
+          </a:xfrm>
+          <a:prstGeom prst="rect">
+            <a:avLst/>
+          </a:prstGeom>
+        </p:spPr>
+      </p:pic>
+      <p:sp>
+        <p:nvSpPr>
+          <p:cNvPr id="7" name="Content Placeholder 2"/>
+          <p:cNvSpPr>
+            <a:spLocks noGrp="1"/>
+          </p:cNvSpPr>
+          <p:nvPr>
+            <p:ph idx="1"/>
+          </p:nvPr>
+        </p:nvSpPr>
+        <p:spPr>
+          <a:xfrm>
+            <a:off x="1103312" y="2052918"/>
+            <a:ext cx="8946541" cy="4195481"/>
+          </a:xfrm>
+        </p:spPr>
+        <p:txBody>
+          <a:bodyPr/>
+          <a:lstStyle/>
+          <a:p>
+            <a:r>
+              <a:rPr lang="en-US" sz="2400" dirty="0" smtClean="0"/>
+              <a:t>Tweet sentiment trends:</a:t>
+            </a:r>
+            <a:endParaRPr lang="en-US" sz="2400" dirty="0"/>
+          </a:p>
+          <a:p>
+            <a:pPr lvl="1"/>
+            <a:r>
+              <a:rPr lang="en-US" sz="2200" dirty="0" smtClean="0"/>
+              <a:t>Fairly steady </a:t>
+            </a:r>
+          </a:p>
+          <a:p>
+            <a:pPr lvl="1"/>
+            <a:r>
+              <a:rPr lang="en-US" sz="2200" dirty="0" smtClean="0"/>
+              <a:t>Mostly neutral</a:t>
+            </a:r>
+          </a:p>
+          <a:p>
+            <a:r>
+              <a:rPr lang="en-US" sz="2400" dirty="0" smtClean="0"/>
+              <a:t>Nothing particularly </a:t>
+            </a:r>
+            <a:br>
+              <a:rPr lang="en-US" sz="2400" dirty="0" smtClean="0"/>
+            </a:br>
+            <a:r>
+              <a:rPr lang="en-US" sz="2400" dirty="0" smtClean="0"/>
+              <a:t>striking, but could be </a:t>
+            </a:r>
+            <a:br>
+              <a:rPr lang="en-US" sz="2400" dirty="0" smtClean="0"/>
+            </a:br>
+            <a:r>
+              <a:rPr lang="en-US" sz="2400" smtClean="0"/>
+              <a:t>worth keeping an eye</a:t>
+            </a:r>
+            <a:br>
+              <a:rPr lang="en-US" sz="2400" smtClean="0"/>
+            </a:br>
+            <a:r>
+              <a:rPr lang="en-US" sz="2400" smtClean="0"/>
+              <a:t>on</a:t>
+            </a:r>
+            <a:endParaRPr lang="en-US" sz="2400" dirty="0" smtClean="0"/>
+          </a:p>
+          <a:p>
+            <a:pPr lvl="1"/>
+            <a:endParaRPr lang="en-US" dirty="0" smtClean="0"/>
+          </a:p>
+        </p:txBody>
+      </p:sp>
+    </p:spTree>
+    <p:extLst>
+      <p:ext uri="{BB962C8B-B14F-4D97-AF65-F5344CB8AC3E}">
+        <p14:creationId xmlns:p14="http://schemas.microsoft.com/office/powerpoint/2010/main" val="3523204835"/>
+      </p:ext>
+    </p:extLst>
+  </p:cSld>
+  <p:clrMapOvr>
+    <a:masterClrMapping/>
+  </p:clrMapOvr>
+</p:sld>
+</file>
+
+<file path=ppt/slides/slide22.xml><?xml version="1.0" encoding="utf-8"?>
+<p:sld xmlns:a="http://schemas.openxmlformats.org/drawingml/2006/main" xmlns:r="http://schemas.openxmlformats.org/officeDocument/2006/relationships" xmlns:p="http://schemas.openxmlformats.org/presentationml/2006/main">
+  <p:cSld>
+    <p:spTree>
+      <p:nvGrpSpPr>
+        <p:cNvPr id="1" name=""/>
+        <p:cNvGrpSpPr/>
+        <p:nvPr/>
+      </p:nvGrpSpPr>
+      <p:grpSpPr>
+        <a:xfrm>
+          <a:off x="0" y="0"/>
+          <a:ext cx="0" cy="0"/>
+          <a:chOff x="0" y="0"/>
+          <a:chExt cx="0" cy="0"/>
+        </a:xfrm>
+      </p:grpSpPr>
+      <p:sp>
+        <p:nvSpPr>
+          <p:cNvPr id="2" name="Title 1"/>
+          <p:cNvSpPr>
+            <a:spLocks noGrp="1"/>
+          </p:cNvSpPr>
+          <p:nvPr>
+            <p:ph type="title"/>
+          </p:nvPr>
+        </p:nvSpPr>
+        <p:spPr/>
+        <p:txBody>
+          <a:bodyPr/>
+          <a:lstStyle/>
+          <a:p>
+            <a:r>
+              <a:rPr lang="en-US" b="1" dirty="0">
+                <a:solidFill>
+                  <a:srgbClr val="FFFF00"/>
+                </a:solidFill>
+              </a:rPr>
+              <a:t>Area 4. Content Analysis</a:t>
+            </a:r>
+            <a:br>
+              <a:rPr lang="en-US" b="1" dirty="0">
+                <a:solidFill>
+                  <a:srgbClr val="FFFF00"/>
+                </a:solidFill>
+              </a:rPr>
+            </a:br>
+            <a:endParaRPr lang="en-US" b="1" dirty="0">
+              <a:solidFill>
+                <a:srgbClr val="FFFF00"/>
+              </a:solidFill>
+            </a:endParaRPr>
+          </a:p>
+        </p:txBody>
+      </p:sp>
+      <p:sp>
+        <p:nvSpPr>
+          <p:cNvPr id="3" name="Content Placeholder 2"/>
+          <p:cNvSpPr>
+            <a:spLocks noGrp="1"/>
+          </p:cNvSpPr>
+          <p:nvPr>
+            <p:ph idx="1"/>
+          </p:nvPr>
+        </p:nvSpPr>
+        <p:spPr/>
+        <p:txBody>
+          <a:bodyPr/>
+          <a:lstStyle/>
+          <a:p>
+            <a:r>
+              <a:rPr lang="en-US" sz="2400" dirty="0" smtClean="0"/>
+              <a:t>Also ran a few different topic models on tweet text to extract topics</a:t>
+            </a:r>
+            <a:endParaRPr lang="en-US" sz="2400" dirty="0"/>
+          </a:p>
+          <a:p>
+            <a:endParaRPr lang="en-US" sz="2400" dirty="0"/>
+          </a:p>
+          <a:p>
+            <a:r>
+              <a:rPr lang="en-US" sz="2400" dirty="0" smtClean="0"/>
+              <a:t>Was not able to extract meaningful topics from the text</a:t>
+            </a:r>
+          </a:p>
+          <a:p>
+            <a:endParaRPr lang="en-US" sz="2400" dirty="0"/>
+          </a:p>
+          <a:p>
+            <a:r>
+              <a:rPr lang="en-US" sz="2400" dirty="0" smtClean="0"/>
+              <a:t>Likely due to lack of substantial discussions in tweets</a:t>
+            </a:r>
+            <a:endParaRPr lang="en-US" sz="2200" dirty="0" smtClean="0"/>
+          </a:p>
+          <a:p>
+            <a:endParaRPr lang="en-US" sz="2400" dirty="0"/>
+          </a:p>
+          <a:p>
+            <a:pPr marL="0" indent="0">
+              <a:buNone/>
+            </a:pPr>
+            <a:endParaRPr lang="en-US" dirty="0" smtClean="0"/>
+          </a:p>
+          <a:p>
+            <a:pPr marL="0" indent="0">
+              <a:buNone/>
+            </a:pPr>
+            <a:endParaRPr lang="en-US" dirty="0"/>
+          </a:p>
+        </p:txBody>
+      </p:sp>
+    </p:spTree>
+    <p:extLst>
+      <p:ext uri="{BB962C8B-B14F-4D97-AF65-F5344CB8AC3E}">
+        <p14:creationId xmlns:p14="http://schemas.microsoft.com/office/powerpoint/2010/main" val="2752909390"/>
+      </p:ext>
+    </p:extLst>
+  </p:cSld>
+  <p:clrMapOvr>
+    <a:masterClrMapping/>
+  </p:clrMapOvr>
+</p:sld>
+</file>
+
+<file path=ppt/slides/slide23.xml><?xml version="1.0" encoding="utf-8"?>
+<p:sld xmlns:a="http://schemas.openxmlformats.org/drawingml/2006/main" xmlns:r="http://schemas.openxmlformats.org/officeDocument/2006/relationships" xmlns:p="http://schemas.openxmlformats.org/presentationml/2006/main">
+  <p:cSld>
+    <p:spTree>
+      <p:nvGrpSpPr>
+        <p:cNvPr id="1" name=""/>
+        <p:cNvGrpSpPr/>
+        <p:nvPr/>
+      </p:nvGrpSpPr>
+      <p:grpSpPr>
+        <a:xfrm>
+          <a:off x="0" y="0"/>
+          <a:ext cx="0" cy="0"/>
+          <a:chOff x="0" y="0"/>
+          <a:chExt cx="0" cy="0"/>
+        </a:xfrm>
+      </p:grpSpPr>
+      <p:sp>
+        <p:nvSpPr>
+          <p:cNvPr id="2" name="Title 1"/>
+          <p:cNvSpPr>
+            <a:spLocks noGrp="1"/>
+          </p:cNvSpPr>
+          <p:nvPr>
+            <p:ph type="title"/>
+          </p:nvPr>
+        </p:nvSpPr>
+        <p:spPr/>
+        <p:txBody>
+          <a:bodyPr/>
+          <a:lstStyle/>
+          <a:p>
+            <a:r>
+              <a:rPr lang="en-US" b="1" dirty="0">
+                <a:solidFill>
+                  <a:srgbClr val="FFFF00"/>
+                </a:solidFill>
+              </a:rPr>
+              <a:t>Area 4. Content Analysis</a:t>
+            </a:r>
+            <a:r>
+              <a:rPr lang="en-US" b="1" dirty="0">
+                <a:solidFill>
+                  <a:srgbClr val="FFFF00"/>
+                </a:solidFill>
+              </a:rPr>
+              <a:t/>
+            </a:r>
+            <a:br>
+              <a:rPr lang="en-US" b="1" dirty="0">
+                <a:solidFill>
+                  <a:srgbClr val="FFFF00"/>
+                </a:solidFill>
+              </a:rPr>
+            </a:br>
+            <a:endParaRPr lang="en-US" b="1" dirty="0">
+              <a:solidFill>
+                <a:srgbClr val="FFFF00"/>
+              </a:solidFill>
+            </a:endParaRPr>
+          </a:p>
+        </p:txBody>
+      </p:sp>
+      <p:sp>
+        <p:nvSpPr>
+          <p:cNvPr id="3" name="Content Placeholder 2"/>
+          <p:cNvSpPr>
+            <a:spLocks noGrp="1"/>
+          </p:cNvSpPr>
+          <p:nvPr>
+            <p:ph idx="1"/>
+          </p:nvPr>
+        </p:nvSpPr>
+        <p:spPr/>
+        <p:txBody>
+          <a:bodyPr>
+            <a:normAutofit/>
+          </a:bodyPr>
+          <a:lstStyle/>
+          <a:p>
+            <a:pPr marL="0" indent="0">
+              <a:buNone/>
+            </a:pPr>
+            <a:r>
+              <a:rPr lang="en-US" sz="2400" b="1" dirty="0" smtClean="0">
+                <a:solidFill>
+                  <a:srgbClr val="00FFFF"/>
+                </a:solidFill>
+              </a:rPr>
+              <a:t>Monitoring Possibilities</a:t>
+            </a:r>
+          </a:p>
+          <a:p>
+            <a:r>
+              <a:rPr lang="en-US" sz="2400" dirty="0" smtClean="0"/>
+              <a:t>On-demand </a:t>
+            </a:r>
+            <a:r>
+              <a:rPr lang="en-US" sz="2400" dirty="0" smtClean="0"/>
+              <a:t>update and reproduction</a:t>
+            </a:r>
+          </a:p>
+          <a:p>
+            <a:endParaRPr lang="en-US" sz="2400" dirty="0" smtClean="0"/>
+          </a:p>
+          <a:p>
+            <a:r>
+              <a:rPr lang="en-US" sz="2400" dirty="0" smtClean="0"/>
+              <a:t>Automated anomaly alerts when recent tweets are coming in from cities different than in the past</a:t>
+            </a:r>
+          </a:p>
+          <a:p>
+            <a:endParaRPr lang="en-US" sz="2400" dirty="0"/>
+          </a:p>
+          <a:p>
+            <a:endParaRPr lang="en-US" sz="2400" dirty="0" smtClean="0"/>
+          </a:p>
+          <a:p>
+            <a:endParaRPr lang="en-US" sz="2400" dirty="0" smtClean="0"/>
+          </a:p>
+          <a:p>
+            <a:endParaRPr lang="en-US" sz="2400" dirty="0"/>
+          </a:p>
+          <a:p>
+            <a:pPr marL="0" indent="0">
+              <a:buNone/>
+            </a:pPr>
+            <a:endParaRPr lang="en-US" sz="2400" b="1" dirty="0" smtClean="0">
+              <a:solidFill>
+                <a:srgbClr val="00FFFF"/>
+              </a:solidFill>
+            </a:endParaRPr>
+          </a:p>
+          <a:p>
+            <a:pPr marL="0" indent="0">
+              <a:buNone/>
+            </a:pPr>
+            <a:endParaRPr lang="en-US" sz="2400" b="1" dirty="0">
+              <a:solidFill>
+                <a:srgbClr val="00FFFF"/>
+              </a:solidFill>
+            </a:endParaRPr>
+          </a:p>
+        </p:txBody>
+      </p:sp>
+    </p:spTree>
+    <p:extLst>
+      <p:ext uri="{BB962C8B-B14F-4D97-AF65-F5344CB8AC3E}">
+        <p14:creationId xmlns:p14="http://schemas.microsoft.com/office/powerpoint/2010/main" val="1584656883"/>
+      </p:ext>
+    </p:extLst>
+  </p:cSld>
+  <p:clrMapOvr>
+    <a:masterClrMapping/>
+  </p:clrMapOvr>
+</p:sld>
+</file>
+
+<file path=ppt/slides/slide24.xml><?xml version="1.0" encoding="utf-8"?>
+<p:sld xmlns:a="http://schemas.openxmlformats.org/drawingml/2006/main" xmlns:r="http://schemas.openxmlformats.org/officeDocument/2006/relationships" xmlns:p="http://schemas.openxmlformats.org/presentationml/2006/main">
+  <p:cSld>
+    <p:spTree>
+      <p:nvGrpSpPr>
+        <p:cNvPr id="1" name=""/>
+        <p:cNvGrpSpPr/>
+        <p:nvPr/>
+      </p:nvGrpSpPr>
+      <p:grpSpPr>
+        <a:xfrm>
+          <a:off x="0" y="0"/>
+          <a:ext cx="0" cy="0"/>
+          <a:chOff x="0" y="0"/>
+          <a:chExt cx="0" cy="0"/>
+        </a:xfrm>
+      </p:grpSpPr>
+      <p:sp>
+        <p:nvSpPr>
+          <p:cNvPr id="2" name="Title 1"/>
+          <p:cNvSpPr>
+            <a:spLocks noGrp="1"/>
+          </p:cNvSpPr>
+          <p:nvPr>
+            <p:ph type="title"/>
+          </p:nvPr>
+        </p:nvSpPr>
+        <p:spPr>
+          <a:xfrm>
+            <a:off x="2946549" y="2750128"/>
+            <a:ext cx="6014571" cy="1400530"/>
+          </a:xfrm>
+        </p:spPr>
+        <p:txBody>
+          <a:bodyPr/>
+          <a:lstStyle/>
+          <a:p>
+            <a:r>
+              <a:rPr lang="en-US" b="1" dirty="0" smtClean="0">
+                <a:solidFill>
+                  <a:srgbClr val="FFFF00"/>
+                </a:solidFill>
+              </a:rPr>
+              <a:t>Questions/Discussion</a:t>
+            </a:r>
+            <a:endParaRPr lang="en-US" b="1" dirty="0">
+              <a:solidFill>
+                <a:srgbClr val="FFFF00"/>
+              </a:solidFill>
+            </a:endParaRPr>
+          </a:p>
+        </p:txBody>
+      </p:sp>
+      <p:sp>
+        <p:nvSpPr>
+          <p:cNvPr id="3" name="Content Placeholder 2"/>
+          <p:cNvSpPr>
+            <a:spLocks noGrp="1"/>
+          </p:cNvSpPr>
+          <p:nvPr>
+            <p:ph idx="1"/>
+          </p:nvPr>
+        </p:nvSpPr>
+        <p:spPr/>
+        <p:txBody>
+          <a:bodyPr>
+            <a:normAutofit/>
+          </a:bodyPr>
+          <a:lstStyle/>
+          <a:p>
+            <a:pPr marL="0" indent="0">
+              <a:buNone/>
+            </a:pPr>
+            <a:endParaRPr lang="en-US" sz="2400" dirty="0"/>
+          </a:p>
+          <a:p>
+            <a:pPr marL="800100" lvl="1" indent="-342900">
+              <a:buFont typeface="+mj-lt"/>
+              <a:buAutoNum type="arabicPeriod"/>
+            </a:pPr>
+            <a:endParaRPr lang="en-US" sz="2800" dirty="0"/>
+          </a:p>
+        </p:txBody>
+      </p:sp>
+    </p:spTree>
+    <p:extLst>
+      <p:ext uri="{BB962C8B-B14F-4D97-AF65-F5344CB8AC3E}">
+        <p14:creationId xmlns:p14="http://schemas.microsoft.com/office/powerpoint/2010/main" val="3669194964"/>
       </p:ext>
     </p:extLst>
   </p:cSld>
@@ -7807,7 +9285,7 @@
                   <a:srgbClr val="FFFF00"/>
                 </a:solidFill>
               </a:rPr>
-              <a:t>Historical Data</a:t>
+              <a:t>Historical Twitter Data</a:t>
             </a:r>
             <a:endParaRPr lang="en-US" b="1" dirty="0">
               <a:solidFill>
@@ -7836,7 +9314,11 @@
           <a:p>
             <a:r>
               <a:rPr lang="en-US" sz="2800" dirty="0" smtClean="0"/>
-              <a:t>Purpose: Extract data on all tweets </a:t>
+              <a:t>Want to extract </a:t>
+            </a:r>
+            <a:r>
+              <a:rPr lang="en-US" sz="2800" dirty="0" smtClean="0"/>
+              <a:t>data on all tweets </a:t>
             </a:r>
             <a:br>
               <a:rPr lang="en-US" sz="2800" dirty="0" smtClean="0"/>
@@ -7875,7 +9357,15 @@
           <a:p>
             <a:r>
               <a:rPr lang="en-US" sz="2800" dirty="0" smtClean="0"/>
-              <a:t>Found ~2,700 tweets in 21 months</a:t>
+              <a:t>Found ~2,700 tweets </a:t>
+            </a:r>
+            <a:r>
+              <a:rPr lang="en-US" sz="2800" dirty="0" smtClean="0"/>
+              <a:t>in past </a:t>
+            </a:r>
+            <a:r>
+              <a:rPr lang="en-US" sz="2800" dirty="0" smtClean="0"/>
+              <a:t>21 months</a:t>
             </a:r>
           </a:p>
           <a:p>
@@ -7972,7 +9462,7 @@
                   <a:srgbClr val="FFFF00"/>
                 </a:solidFill>
               </a:rPr>
-              <a:t>General Monitoring Tool</a:t>
+              <a:t>Tweet Extraction</a:t>
             </a:r>
             <a:endParaRPr lang="en-US" b="1" dirty="0">
               <a:solidFill>
@@ -7995,58 +9485,105 @@
         <p:spPr/>
         <p:txBody>
           <a:bodyPr>
-            <a:normAutofit lnSpcReduction="10000"/>
+            <a:normAutofit fontScale="92500" lnSpcReduction="20000"/>
           </a:bodyPr>
           <a:lstStyle/>
           <a:p>
             <a:r>
               <a:rPr lang="en-US" sz="2800" dirty="0" smtClean="0"/>
-              <a:t>On demand, the tool will easily:</a:t>
+              <a:t>Can extract tweets </a:t>
+            </a:r>
+            <a:br>
+              <a:rPr lang="en-US" sz="2800" dirty="0" smtClean="0"/>
+            </a:br>
+            <a:r>
+              <a:rPr lang="en-US" sz="2800" dirty="0" smtClean="0"/>
+              <a:t>based on any of Twitter’s</a:t>
+            </a:r>
+            <a:br>
+              <a:rPr lang="en-US" sz="2800" dirty="0" smtClean="0"/>
+            </a:br>
+            <a:r>
+              <a:rPr lang="en-US" sz="2800" dirty="0" smtClean="0"/>
+              <a:t>advanced search </a:t>
+            </a:r>
+            <a:br>
+              <a:rPr lang="en-US" sz="2800" dirty="0" smtClean="0"/>
+            </a:br>
+            <a:r>
+              <a:rPr lang="en-US" sz="2800" dirty="0" smtClean="0"/>
+              <a:t>parameters</a:t>
             </a:r>
           </a:p>
           <a:p>
             <a:endParaRPr lang="en-US" sz="2800" dirty="0" smtClean="0"/>
           </a:p>
           <a:p>
+            <a:r>
+              <a:rPr lang="en-US" sz="2800" dirty="0" smtClean="0"/>
+              <a:t>Current list of keywords:</a:t>
+            </a:r>
+          </a:p>
+          <a:p>
             <a:pPr lvl="1"/>
             <a:r>
-              <a:rPr lang="en-US" sz="2600" dirty="0" smtClean="0"/>
-              <a:t>Rerun extraction to retrieve any new tweets related to BPCIA</a:t>
-            </a:r>
+              <a:rPr lang="en-US" sz="1700" dirty="0" err="1" smtClean="0"/>
+              <a:t>BPCIAdvanced</a:t>
+            </a:r>
+            <a:endParaRPr lang="en-US" sz="1700" dirty="0" smtClean="0"/>
           </a:p>
           <a:p>
             <a:pPr lvl="1"/>
-            <a:endParaRPr lang="en-US" sz="2600" dirty="0" smtClean="0"/>
+            <a:r>
+              <a:rPr lang="en-US" sz="1700" dirty="0" smtClean="0"/>
+              <a:t>“BPCI Advanced”</a:t>
+            </a:r>
           </a:p>
           <a:p>
             <a:pPr lvl="1"/>
             <a:r>
-              <a:rPr lang="en-US" sz="2600" dirty="0" smtClean="0"/>
-              <a:t>Update any of the analyses we present with new data</a:t>
+              <a:rPr lang="en-US" sz="1700" dirty="0" smtClean="0"/>
+              <a:t>BPCIA</a:t>
             </a:r>
           </a:p>
           <a:p>
             <a:pPr lvl="1"/>
-            <a:endParaRPr lang="en-US" sz="2600" dirty="0" smtClean="0"/>
+            <a:r>
+              <a:rPr lang="en-US" sz="1700" dirty="0" smtClean="0"/>
+              <a:t>BPCI-A</a:t>
+            </a:r>
           </a:p>
           <a:p>
             <a:pPr lvl="1"/>
             <a:r>
-              <a:rPr lang="en-US" sz="2600" dirty="0" smtClean="0"/>
-              <a:t>Update the analysis displays in the GUI</a:t>
-            </a:r>
-          </a:p>
-          <a:p>
-            <a:endParaRPr lang="en-US" sz="2800" dirty="0"/>
-          </a:p>
-          <a:p>
-            <a:endParaRPr lang="en-US" sz="2800" dirty="0"/>
-          </a:p>
-          <a:p>
-            <a:endParaRPr lang="en-US" sz="2800" dirty="0" smtClean="0"/>
-          </a:p>
-          <a:p>
-            <a:endParaRPr lang="en-US" sz="2800" dirty="0" smtClean="0"/>
+              <a:rPr lang="en-US" sz="1700" dirty="0" smtClean="0"/>
+              <a:t>"Bundled Payments for Care </a:t>
+            </a:r>
+            <a:r>
+              <a:rPr lang="en-US" sz="1700" dirty="0"/>
+              <a:t>Improvement–Advanced</a:t>
+            </a:r>
+            <a:r>
+              <a:rPr lang="en-US" sz="1700" dirty="0" smtClean="0"/>
+              <a:t>"</a:t>
+            </a:r>
+            <a:endParaRPr lang="en-US" sz="1700" dirty="0"/>
+          </a:p>
+          <a:p>
+            <a:pPr lvl="1"/>
+            <a:r>
+              <a:rPr lang="en-US" sz="1700" dirty="0" smtClean="0"/>
+              <a:t>"</a:t>
+            </a:r>
+            <a:r>
+              <a:rPr lang="en-US" sz="1700" dirty="0"/>
+              <a:t>Bundled Payments for Care Improvement Advanced</a:t>
+            </a:r>
+            <a:r>
+              <a:rPr lang="en-US" sz="1700" dirty="0" smtClean="0"/>
+              <a:t>"</a:t>
+            </a:r>
+            <a:endParaRPr lang="en-US" sz="1700" dirty="0" smtClean="0"/>
           </a:p>
           <a:p>
             <a:pPr lvl="1"/>
@@ -8067,10 +9604,34 @@
           </a:p>
         </p:txBody>
       </p:sp>
+      <p:pic>
+        <p:nvPicPr>
+          <p:cNvPr id="7" name="Picture 6"/>
+          <p:cNvPicPr>
+            <a:picLocks noChangeAspect="1"/>
+          </p:cNvPicPr>
+          <p:nvPr/>
+        </p:nvPicPr>
+        <p:blipFill>
+          <a:blip r:embed="rId2"/>
+          <a:stretch>
+            <a:fillRect/>
+          </a:stretch>
+        </p:blipFill>
+        <p:spPr>
+          <a:xfrm>
+            <a:off x="6042458" y="520095"/>
+            <a:ext cx="5467209" cy="5077877"/>
+          </a:xfrm>
+          <a:prstGeom prst="rect">
+            <a:avLst/>
+          </a:prstGeom>
+        </p:spPr>
+      </p:pic>
     </p:spTree>
     <p:extLst>
       <p:ext uri="{BB962C8B-B14F-4D97-AF65-F5344CB8AC3E}">
-        <p14:creationId xmlns:p14="http://schemas.microsoft.com/office/powerpoint/2010/main" val="2622191017"/>
+        <p14:creationId xmlns:p14="http://schemas.microsoft.com/office/powerpoint/2010/main" val="3108816790"/>
       </p:ext>
     </p:extLst>
   </p:cSld>
@@ -8118,7 +9679,7 @@
                   <a:srgbClr val="FFFF00"/>
                 </a:solidFill>
               </a:rPr>
-              <a:t>Areas of Analysis</a:t>
+              <a:t>Tweet Extraction</a:t>
             </a:r>
             <a:endParaRPr lang="en-US" b="1" dirty="0">
               <a:solidFill>
@@ -8140,82 +9701,99 @@
         </p:nvSpPr>
         <p:spPr/>
         <p:txBody>
-          <a:bodyPr/>
-          <a:lstStyle/>
+          <a:bodyPr>
+            <a:normAutofit fontScale="92500" lnSpcReduction="10000"/>
+          </a:bodyPr>
+          <a:lstStyle/>
+          <a:p>
+            <a:r>
+              <a:rPr lang="en-US" sz="2800" dirty="0" smtClean="0"/>
+              <a:t>Filtered out some false positives</a:t>
+            </a:r>
+          </a:p>
+          <a:p>
+            <a:endParaRPr lang="en-US" sz="2800" dirty="0" smtClean="0"/>
+          </a:p>
+          <a:p>
+            <a:r>
+              <a:rPr lang="en-US" sz="2800" dirty="0" smtClean="0"/>
+              <a:t>There is another </a:t>
+            </a:r>
+            <a:r>
+              <a:rPr lang="en-US" sz="2800" dirty="0"/>
+              <a:t>BPCIA: Biologics Price Competition and Innovation Act of 2009 </a:t>
+            </a:r>
+            <a:endParaRPr lang="en-US" sz="2800" dirty="0" smtClean="0"/>
+          </a:p>
+          <a:p>
+            <a:endParaRPr lang="en-US" sz="2800" dirty="0" smtClean="0"/>
+          </a:p>
+          <a:p>
+            <a:endParaRPr lang="en-US" sz="2800" dirty="0"/>
+          </a:p>
+          <a:p>
+            <a:endParaRPr lang="en-US" sz="2800" dirty="0" smtClean="0"/>
+          </a:p>
+          <a:p>
+            <a:endParaRPr lang="en-US" sz="2800" dirty="0" smtClean="0"/>
+          </a:p>
+          <a:p>
+            <a:r>
+              <a:rPr lang="en-US" sz="2800" dirty="0" smtClean="0"/>
+              <a:t>Used some keywords to filter out those tweets</a:t>
+            </a:r>
+            <a:endParaRPr lang="en-US" sz="2800" dirty="0" smtClean="0"/>
+          </a:p>
+          <a:p>
+            <a:endParaRPr lang="en-US" sz="1700" dirty="0" smtClean="0"/>
+          </a:p>
+          <a:p>
+            <a:pPr lvl="1"/>
+            <a:endParaRPr lang="en-US" sz="2600" dirty="0" smtClean="0"/>
+          </a:p>
           <a:p>
             <a:pPr marL="457200" indent="-457200">
               <a:buFont typeface="+mj-lt"/>
               <a:buAutoNum type="arabicPeriod"/>
             </a:pPr>
-            <a:r>
-              <a:rPr lang="en-US" sz="2800" dirty="0" smtClean="0"/>
-              <a:t>Reaction Timing/Speed</a:t>
-            </a:r>
-          </a:p>
-          <a:p>
-            <a:pPr marL="457200" indent="-457200">
-              <a:buFont typeface="+mj-lt"/>
-              <a:buAutoNum type="arabicPeriod"/>
+            <a:endParaRPr lang="en-US" sz="2400" dirty="0"/>
+          </a:p>
+          <a:p>
+            <a:pPr marL="0" indent="0">
+              <a:buNone/>
             </a:pPr>
-            <a:endParaRPr lang="en-US" sz="2800" dirty="0" smtClean="0"/>
-          </a:p>
-          <a:p>
-            <a:pPr marL="457200" indent="-457200">
-              <a:buFont typeface="+mj-lt"/>
-              <a:buAutoNum type="arabicPeriod"/>
-            </a:pPr>
-            <a:r>
-              <a:rPr lang="en-US" sz="2800" dirty="0" smtClean="0"/>
-              <a:t>Level/Variety of Engagement</a:t>
-            </a:r>
-          </a:p>
-          <a:p>
-            <a:pPr marL="457200" indent="-457200">
-              <a:buFont typeface="+mj-lt"/>
-              <a:buAutoNum type="arabicPeriod"/>
-            </a:pPr>
-            <a:endParaRPr lang="en-US" sz="2800" dirty="0" smtClean="0"/>
-          </a:p>
-          <a:p>
-            <a:pPr marL="457200" indent="-457200">
-              <a:buFont typeface="+mj-lt"/>
-              <a:buAutoNum type="arabicPeriod"/>
-            </a:pPr>
-            <a:r>
-              <a:rPr lang="en-US" sz="2800" dirty="0" smtClean="0"/>
-              <a:t>Geographic Analysis</a:t>
-            </a:r>
-          </a:p>
-          <a:p>
-            <a:pPr marL="457200" indent="-457200">
-              <a:buFont typeface="+mj-lt"/>
-              <a:buAutoNum type="arabicPeriod"/>
-            </a:pPr>
-            <a:endParaRPr lang="en-US" sz="2800" dirty="0" smtClean="0"/>
-          </a:p>
-          <a:p>
-            <a:pPr marL="457200" indent="-457200">
-              <a:buFont typeface="+mj-lt"/>
-              <a:buAutoNum type="arabicPeriod"/>
-            </a:pPr>
-            <a:r>
-              <a:rPr lang="en-US" sz="2800" dirty="0" smtClean="0"/>
-              <a:t>Content Analysis</a:t>
-            </a:r>
-          </a:p>
-          <a:p>
-            <a:pPr marL="457200" indent="-457200">
-              <a:buFont typeface="+mj-lt"/>
-              <a:buAutoNum type="arabicPeriod"/>
-            </a:pPr>
-            <a:endParaRPr lang="en-US" dirty="0"/>
-          </a:p>
-        </p:txBody>
-      </p:sp>
+            <a:endParaRPr lang="en-US" sz="2800" dirty="0"/>
+          </a:p>
+        </p:txBody>
+      </p:sp>
+      <p:pic>
+        <p:nvPicPr>
+          <p:cNvPr id="4" name="Picture 3"/>
+          <p:cNvPicPr>
+            <a:picLocks noChangeAspect="1"/>
+          </p:cNvPicPr>
+          <p:nvPr/>
+        </p:nvPicPr>
+        <p:blipFill>
+          <a:blip r:embed="rId2"/>
+          <a:stretch>
+            <a:fillRect/>
+          </a:stretch>
+        </p:blipFill>
+        <p:spPr>
+          <a:xfrm>
+            <a:off x="1485799" y="4065118"/>
+            <a:ext cx="6774907" cy="1315403"/>
+          </a:xfrm>
+          <a:prstGeom prst="rect">
+            <a:avLst/>
+          </a:prstGeom>
+        </p:spPr>
+      </p:pic>
     </p:spTree>
     <p:extLst>
       <p:ext uri="{BB962C8B-B14F-4D97-AF65-F5344CB8AC3E}">
-        <p14:creationId xmlns:p14="http://schemas.microsoft.com/office/powerpoint/2010/main" val="2647239918"/>
+        <p14:creationId xmlns:p14="http://schemas.microsoft.com/office/powerpoint/2010/main" val="3882607361"/>
       </p:ext>
     </p:extLst>
   </p:cSld>
@@ -8258,20 +9836,13 @@
           <a:lstStyle/>
           <a:p>
             <a:r>
-              <a:rPr lang="en-US" b="1" dirty="0">
+              <a:rPr lang="en-US" b="1" dirty="0" smtClean="0">
                 <a:solidFill>
                   <a:srgbClr val="FFFF00"/>
                 </a:solidFill>
               </a:rPr>
-              <a:t>Area 1. Reaction Timing/Speed</a:t>
-            </a:r>
-            <a:br>
-              <a:rPr lang="en-US" b="1" dirty="0">
-                <a:solidFill>
-                  <a:srgbClr val="FFFF00"/>
-                </a:solidFill>
-              </a:rPr>
-            </a:br>
+              <a:t>Tweet Extraction</a:t>
+            </a:r>
             <a:endParaRPr lang="en-US" b="1" dirty="0">
               <a:solidFill>
                 <a:srgbClr val="FFFF00"/>
@@ -8292,21 +9863,66 @@
         </p:nvSpPr>
         <p:spPr/>
         <p:txBody>
-          <a:bodyPr/>
-          <a:lstStyle/>
+          <a:bodyPr>
+            <a:normAutofit/>
+          </a:bodyPr>
+          <a:lstStyle/>
+          <a:p>
+            <a:r>
+              <a:rPr lang="en-US" sz="2800" dirty="0" smtClean="0"/>
+              <a:t>Limitations to extracting related content </a:t>
+            </a:r>
+          </a:p>
+          <a:p>
+            <a:endParaRPr lang="en-US" sz="1700" dirty="0" smtClean="0"/>
+          </a:p>
+          <a:p>
+            <a:pPr lvl="1"/>
+            <a:endParaRPr lang="en-US" sz="2600" dirty="0" smtClean="0"/>
+          </a:p>
           <a:p>
             <a:pPr marL="457200" indent="-457200">
               <a:buFont typeface="+mj-lt"/>
               <a:buAutoNum type="arabicPeriod"/>
             </a:pPr>
-            <a:endParaRPr lang="en-US" dirty="0"/>
-          </a:p>
-        </p:txBody>
-      </p:sp>
+            <a:endParaRPr lang="en-US" sz="2400" dirty="0"/>
+          </a:p>
+          <a:p>
+            <a:pPr marL="0" indent="0">
+              <a:buNone/>
+            </a:pPr>
+            <a:endParaRPr lang="en-US" sz="2800" dirty="0"/>
+          </a:p>
+        </p:txBody>
+      </p:sp>
+      <p:pic>
+        <p:nvPicPr>
+          <p:cNvPr id="5" name="Picture 4"/>
+          <p:cNvPicPr>
+            <a:picLocks noChangeAspect="1"/>
+          </p:cNvPicPr>
+          <p:nvPr/>
+        </p:nvPicPr>
+        <p:blipFill>
+          <a:blip r:embed="rId2"/>
+          <a:stretch>
+            <a:fillRect/>
+          </a:stretch>
+        </p:blipFill>
+        <p:spPr>
+          <a:xfrm>
+            <a:off x="2925311" y="2686150"/>
+            <a:ext cx="6382317" cy="3835527"/>
+          </a:xfrm>
+          <a:prstGeom prst="rect">
+            <a:avLst/>
+          </a:prstGeom>
+        </p:spPr>
+      </p:pic>
     </p:spTree>
     <p:extLst>
       <p:ext uri="{BB962C8B-B14F-4D97-AF65-F5344CB8AC3E}">
-        <p14:creationId xmlns:p14="http://schemas.microsoft.com/office/powerpoint/2010/main" val="2893403269"/>
+        <p14:creationId xmlns:p14="http://schemas.microsoft.com/office/powerpoint/2010/main" val="2640851544"/>
       </p:ext>
     </p:extLst>
   </p:cSld>
@@ -8349,20 +9965,13 @@
           <a:lstStyle/>
           <a:p>
             <a:r>
-              <a:rPr lang="en-US" b="1" dirty="0">
+              <a:rPr lang="en-US" b="1" dirty="0" smtClean="0">
                 <a:solidFill>
                   <a:srgbClr val="FFFF00"/>
                 </a:solidFill>
               </a:rPr>
-              <a:t>Area 2. Level/Variety of Engagement</a:t>
-            </a:r>
-            <a:br>
-              <a:rPr lang="en-US" b="1" dirty="0">
-                <a:solidFill>
-                  <a:srgbClr val="FFFF00"/>
-                </a:solidFill>
-              </a:rPr>
-            </a:br>
+              <a:t>General Monitoring Tool</a:t>
+            </a:r>
             <a:endParaRPr lang="en-US" b="1" dirty="0">
               <a:solidFill>
                 <a:srgbClr val="FFFF00"/>
@@ -8383,21 +9992,83 @@
         </p:nvSpPr>
         <p:spPr/>
         <p:txBody>
-          <a:bodyPr/>
-          <a:lstStyle/>
+          <a:bodyPr>
+            <a:normAutofit lnSpcReduction="10000"/>
+          </a:bodyPr>
+          <a:lstStyle/>
+          <a:p>
+            <a:r>
+              <a:rPr lang="en-US" sz="2800" dirty="0" smtClean="0"/>
+              <a:t>On demand, the tool will easily:</a:t>
+            </a:r>
+          </a:p>
+          <a:p>
+            <a:endParaRPr lang="en-US" sz="2800" dirty="0" smtClean="0"/>
+          </a:p>
+          <a:p>
+            <a:pPr lvl="1"/>
+            <a:r>
+              <a:rPr lang="en-US" sz="2600" dirty="0" smtClean="0"/>
+              <a:t>Rerun extraction to retrieve any new tweets related to BPCIA</a:t>
+            </a:r>
+          </a:p>
+          <a:p>
+            <a:pPr lvl="1"/>
+            <a:endParaRPr lang="en-US" sz="2600" dirty="0" smtClean="0"/>
+          </a:p>
+          <a:p>
+            <a:pPr lvl="1"/>
+            <a:r>
+              <a:rPr lang="en-US" sz="2600" dirty="0" smtClean="0"/>
+              <a:t>Update any of the analyses we present with new data</a:t>
+            </a:r>
+          </a:p>
+          <a:p>
+            <a:pPr lvl="1"/>
+            <a:endParaRPr lang="en-US" sz="2600" dirty="0" smtClean="0"/>
+          </a:p>
+          <a:p>
+            <a:pPr lvl="1"/>
+            <a:r>
+              <a:rPr lang="en-US" sz="2600" dirty="0" smtClean="0"/>
+              <a:t>Update the analysis displays in the GUI</a:t>
+            </a:r>
+          </a:p>
+          <a:p>
+            <a:endParaRPr lang="en-US" sz="2800" dirty="0"/>
+          </a:p>
+          <a:p>
+            <a:endParaRPr lang="en-US" sz="2800" dirty="0"/>
+          </a:p>
+          <a:p>
+            <a:endParaRPr lang="en-US" sz="2800" dirty="0" smtClean="0"/>
+          </a:p>
+          <a:p>
+            <a:endParaRPr lang="en-US" sz="2800" dirty="0" smtClean="0"/>
+          </a:p>
+          <a:p>
+            <a:pPr lvl="1"/>
+            <a:endParaRPr lang="en-US" sz="2600" dirty="0" smtClean="0"/>
+          </a:p>
           <a:p>
             <a:pPr marL="457200" indent="-457200">
               <a:buFont typeface="+mj-lt"/>
               <a:buAutoNum type="arabicPeriod"/>
             </a:pPr>
-            <a:endParaRPr lang="en-US" dirty="0"/>
+            <a:endParaRPr lang="en-US" sz="2400" dirty="0"/>
+          </a:p>
+          <a:p>
+            <a:pPr marL="0" indent="0">
+              <a:buNone/>
+            </a:pPr>
+            <a:endParaRPr lang="en-US" sz="2800" dirty="0"/>
           </a:p>
         </p:txBody>
       </p:sp>
     </p:spTree>
     <p:extLst>
       <p:ext uri="{BB962C8B-B14F-4D97-AF65-F5344CB8AC3E}">
-        <p14:creationId xmlns:p14="http://schemas.microsoft.com/office/powerpoint/2010/main" val="1064257207"/>
+        <p14:creationId xmlns:p14="http://schemas.microsoft.com/office/powerpoint/2010/main" val="2622191017"/>
       </p:ext>
     </p:extLst>
   </p:cSld>
@@ -8440,20 +10111,13 @@
           <a:lstStyle/>
           <a:p>
             <a:r>
-              <a:rPr lang="en-US" b="1" dirty="0">
+              <a:rPr lang="en-US" b="1" dirty="0" smtClean="0">
                 <a:solidFill>
                   <a:srgbClr val="FFFF00"/>
                 </a:solidFill>
               </a:rPr>
-              <a:t>Area 3. Geographic Analysis</a:t>
-            </a:r>
-            <a:br>
-              <a:rPr lang="en-US" b="1" dirty="0">
-                <a:solidFill>
-                  <a:srgbClr val="FFFF00"/>
-                </a:solidFill>
-              </a:rPr>
-            </a:br>
+              <a:t>General Monitoring Tool</a:t>
+            </a:r>
             <a:endParaRPr lang="en-US" b="1" dirty="0">
               <a:solidFill>
                 <a:srgbClr val="FFFF00"/>
@@ -8475,101 +10139,78 @@
         <p:spPr/>
         <p:txBody>
           <a:bodyPr>
-            <a:normAutofit lnSpcReduction="10000"/>
+            <a:normAutofit/>
           </a:bodyPr>
           <a:lstStyle/>
           <a:p>
+            <a:r>
+              <a:rPr lang="en-US" sz="2800" dirty="0" smtClean="0"/>
+              <a:t>Tool can highlight new data</a:t>
+            </a:r>
+            <a:endParaRPr lang="en-US" sz="2800" dirty="0" smtClean="0"/>
+          </a:p>
+          <a:p>
+            <a:endParaRPr lang="en-US" sz="2800" dirty="0" smtClean="0"/>
+          </a:p>
+          <a:p>
+            <a:endParaRPr lang="en-US" sz="2800" dirty="0"/>
+          </a:p>
+          <a:p>
+            <a:endParaRPr lang="en-US" sz="2800" dirty="0"/>
+          </a:p>
+          <a:p>
+            <a:endParaRPr lang="en-US" sz="2800" dirty="0" smtClean="0"/>
+          </a:p>
+          <a:p>
+            <a:endParaRPr lang="en-US" sz="2800" dirty="0" smtClean="0"/>
+          </a:p>
+          <a:p>
+            <a:pPr lvl="1"/>
+            <a:endParaRPr lang="en-US" sz="2600" dirty="0" smtClean="0"/>
+          </a:p>
+          <a:p>
+            <a:pPr marL="457200" indent="-457200">
+              <a:buFont typeface="+mj-lt"/>
+              <a:buAutoNum type="arabicPeriod"/>
+            </a:pPr>
+            <a:endParaRPr lang="en-US" sz="2400" dirty="0"/>
+          </a:p>
+          <a:p>
             <a:pPr marL="0" indent="0">
               <a:buNone/>
             </a:pPr>
-            <a:r>
-              <a:rPr lang="en-US" sz="2400" b="1" dirty="0" smtClean="0">
-                <a:solidFill>
-                  <a:srgbClr val="00FFFF"/>
-                </a:solidFill>
-              </a:rPr>
-              <a:t>Analysis Summary</a:t>
-            </a:r>
-          </a:p>
-          <a:p>
-            <a:pPr marL="0" indent="0">
-              <a:buNone/>
-            </a:pPr>
-            <a:endParaRPr lang="en-US" sz="2400" b="1" dirty="0" smtClean="0">
-              <a:solidFill>
-                <a:srgbClr val="00FFFF"/>
-              </a:solidFill>
-            </a:endParaRPr>
-          </a:p>
-          <a:p>
-            <a:r>
-              <a:rPr lang="en-US" sz="2400" dirty="0" smtClean="0"/>
-              <a:t>Limited tweet geolocation data</a:t>
-            </a:r>
-          </a:p>
-          <a:p>
-            <a:endParaRPr lang="en-US" sz="2400" dirty="0"/>
-          </a:p>
-          <a:p>
-            <a:r>
-              <a:rPr lang="en-US" sz="2400" dirty="0" smtClean="0"/>
-              <a:t>Sophisticated geospatial analysis not really feasible</a:t>
-            </a:r>
-          </a:p>
-          <a:p>
-            <a:endParaRPr lang="en-US" sz="2400" dirty="0"/>
-          </a:p>
-          <a:p>
-            <a:r>
-              <a:rPr lang="en-US" sz="2400" dirty="0" smtClean="0"/>
-              <a:t>580 of 2723 (21%) tweets had geolocation data</a:t>
-            </a:r>
-          </a:p>
-          <a:p>
-            <a:endParaRPr lang="en-US" sz="2400" dirty="0"/>
-          </a:p>
-          <a:p>
-            <a:r>
-              <a:rPr lang="en-US" sz="2400" dirty="0" smtClean="0"/>
-              <a:t>Mostly U.S. eastern seaboard cities</a:t>
-            </a:r>
-            <a:endParaRPr lang="en-US" sz="2400" dirty="0"/>
-          </a:p>
-          <a:p>
-            <a:endParaRPr lang="en-US" sz="2400" dirty="0" smtClean="0"/>
-          </a:p>
-          <a:p>
-            <a:endParaRPr lang="en-US" sz="2400" dirty="0" smtClean="0"/>
-          </a:p>
-          <a:p>
-            <a:endParaRPr lang="en-US" sz="2400" dirty="0"/>
-          </a:p>
-          <a:p>
-            <a:pPr marL="0" indent="0">
-              <a:buNone/>
-            </a:pPr>
-            <a:endParaRPr lang="en-US" sz="2400" b="1" dirty="0" smtClean="0">
-              <a:solidFill>
-                <a:srgbClr val="00FFFF"/>
-              </a:solidFill>
-            </a:endParaRPr>
-          </a:p>
-          <a:p>
-            <a:pPr marL="0" indent="0">
-              <a:buNone/>
-            </a:pPr>
-            <a:endParaRPr lang="en-US" sz="2400" b="1" dirty="0">
-              <a:solidFill>
-                <a:srgbClr val="00FFFF"/>
-              </a:solidFill>
-            </a:endParaRPr>
-          </a:p>
-        </p:txBody>
-      </p:sp>
+            <a:endParaRPr lang="en-US" sz="2800" dirty="0"/>
+          </a:p>
+        </p:txBody>
+      </p:sp>
+      <p:pic>
+        <p:nvPicPr>
+          <p:cNvPr id="4" name="Picture 3"/>
+          <p:cNvPicPr>
+            <a:picLocks noChangeAspect="1"/>
+          </p:cNvPicPr>
+          <p:nvPr/>
+        </p:nvPicPr>
+        <p:blipFill>
+          <a:blip r:embed="rId2"/>
+          <a:stretch>
+            <a:fillRect/>
+          </a:stretch>
+        </p:blipFill>
+        <p:spPr>
+          <a:xfrm>
+            <a:off x="1814763" y="2618842"/>
+            <a:ext cx="6684344" cy="4010607"/>
+          </a:xfrm>
+          <a:prstGeom prst="rect">
+            <a:avLst/>
+          </a:prstGeom>
+        </p:spPr>
+      </p:pic>
     </p:spTree>
     <p:extLst>
       <p:ext uri="{BB962C8B-B14F-4D97-AF65-F5344CB8AC3E}">
-        <p14:creationId xmlns:p14="http://schemas.microsoft.com/office/powerpoint/2010/main" val="2526611753"/>
+        <p14:creationId xmlns:p14="http://schemas.microsoft.com/office/powerpoint/2010/main" val="2743253340"/>
       </p:ext>
     </p:extLst>
   </p:cSld>

--- a/BPCI Twitter Analysis Slides.pptx
+++ b/BPCI Twitter Analysis Slides.pptx
@@ -20,20 +20,20 @@
     <p:sldId id="275" r:id="rId8"/>
     <p:sldId id="268" r:id="rId9"/>
     <p:sldId id="272" r:id="rId10"/>
-    <p:sldId id="257" r:id="rId11"/>
-    <p:sldId id="260" r:id="rId12"/>
-    <p:sldId id="261" r:id="rId13"/>
-    <p:sldId id="262" r:id="rId14"/>
-    <p:sldId id="265" r:id="rId15"/>
-    <p:sldId id="266" r:id="rId16"/>
-    <p:sldId id="267" r:id="rId17"/>
+    <p:sldId id="281" r:id="rId11"/>
+    <p:sldId id="257" r:id="rId12"/>
+    <p:sldId id="260" r:id="rId13"/>
+    <p:sldId id="261" r:id="rId14"/>
+    <p:sldId id="262" r:id="rId15"/>
+    <p:sldId id="265" r:id="rId16"/>
+    <p:sldId id="266" r:id="rId17"/>
     <p:sldId id="263" r:id="rId18"/>
     <p:sldId id="276" r:id="rId19"/>
-    <p:sldId id="278" r:id="rId20"/>
-    <p:sldId id="279" r:id="rId21"/>
+    <p:sldId id="279" r:id="rId20"/>
+    <p:sldId id="280" r:id="rId21"/>
     <p:sldId id="269" r:id="rId22"/>
-    <p:sldId id="273" r:id="rId23"/>
-    <p:sldId id="277" r:id="rId24"/>
+    <p:sldId id="282" r:id="rId23"/>
+    <p:sldId id="273" r:id="rId24"/>
     <p:sldId id="274" r:id="rId25"/>
   </p:sldIdLst>
   <p:sldSz cx="12192000" cy="6858000"/>
@@ -245,7 +245,7 @@
           <a:p>
             <a:fld id="{A00AF0D7-6692-4CDA-B51B-0C54F95CB4EF}" type="datetimeFigureOut">
               <a:rPr lang="en-US" smtClean="0"/>
-              <a:t>9/24/2019</a:t>
+              <a:t>9/26/2019</a:t>
             </a:fld>
             <a:endParaRPr lang="en-US"/>
           </a:p>
@@ -410,7 +410,7 @@
           <a:p>
             <a:fld id="{34B082BD-684C-4C00-A412-EE0C0F4409AD}" type="datetimeFigureOut">
               <a:rPr lang="en-US" smtClean="0"/>
-              <a:t>9/24/2019</a:t>
+              <a:t>9/26/2019</a:t>
             </a:fld>
             <a:endParaRPr lang="en-US"/>
           </a:p>
@@ -761,6 +761,334 @@
 </p:notes>
 </file>
 
+<file path=ppt/notesSlides/notesSlide2.xml><?xml version="1.0" encoding="utf-8"?>
+<p:notes xmlns:a="http://schemas.openxmlformats.org/drawingml/2006/main" xmlns:r="http://schemas.openxmlformats.org/officeDocument/2006/relationships" xmlns:p="http://schemas.openxmlformats.org/presentationml/2006/main">
+  <p:cSld>
+    <p:spTree>
+      <p:nvGrpSpPr>
+        <p:cNvPr id="1" name=""/>
+        <p:cNvGrpSpPr/>
+        <p:nvPr/>
+      </p:nvGrpSpPr>
+      <p:grpSpPr>
+        <a:xfrm>
+          <a:off x="0" y="0"/>
+          <a:ext cx="0" cy="0"/>
+          <a:chOff x="0" y="0"/>
+          <a:chExt cx="0" cy="0"/>
+        </a:xfrm>
+      </p:grpSpPr>
+      <p:sp>
+        <p:nvSpPr>
+          <p:cNvPr id="2" name="Slide Image Placeholder 1"/>
+          <p:cNvSpPr>
+            <a:spLocks noGrp="1" noRot="1" noChangeAspect="1"/>
+          </p:cNvSpPr>
+          <p:nvPr>
+            <p:ph type="sldImg"/>
+          </p:nvPr>
+        </p:nvSpPr>
+        <p:spPr/>
+      </p:sp>
+      <p:sp>
+        <p:nvSpPr>
+          <p:cNvPr id="3" name="Notes Placeholder 2"/>
+          <p:cNvSpPr>
+            <a:spLocks noGrp="1"/>
+          </p:cNvSpPr>
+          <p:nvPr>
+            <p:ph type="body" idx="1"/>
+          </p:nvPr>
+        </p:nvSpPr>
+        <p:spPr/>
+        <p:txBody>
+          <a:bodyPr/>
+          <a:lstStyle/>
+          <a:p>
+            <a:r>
+              <a:rPr lang="en-US" dirty="0" smtClean="0"/>
+              <a:t>Look for prolific</a:t>
+            </a:r>
+            <a:r>
+              <a:rPr lang="en-US" baseline="0" dirty="0" smtClean="0"/>
+              <a:t> usernames for main influencers, use get old tweets to harvest their tweets and look for additional keywords. Look at using fuzzy matching; look for likely typos in the spellings. Look at </a:t>
+            </a:r>
+            <a:r>
+              <a:rPr lang="en-US" baseline="0" dirty="0" err="1" smtClean="0"/>
+              <a:t>fuzzywuzzy</a:t>
+            </a:r>
+            <a:r>
+              <a:rPr lang="en-US" baseline="0" dirty="0" smtClean="0"/>
+              <a:t>.</a:t>
+            </a:r>
+          </a:p>
+          <a:p>
+            <a:endParaRPr lang="en-US" baseline="0" dirty="0" smtClean="0"/>
+          </a:p>
+          <a:p>
+            <a:r>
+              <a:rPr lang="en-US" baseline="0" dirty="0" smtClean="0"/>
+              <a:t> censored geographic and other information</a:t>
+            </a:r>
+            <a:endParaRPr lang="en-US" dirty="0"/>
+          </a:p>
+        </p:txBody>
+      </p:sp>
+      <p:sp>
+        <p:nvSpPr>
+          <p:cNvPr id="4" name="Slide Number Placeholder 3"/>
+          <p:cNvSpPr>
+            <a:spLocks noGrp="1"/>
+          </p:cNvSpPr>
+          <p:nvPr>
+            <p:ph type="sldNum" sz="quarter" idx="10"/>
+          </p:nvPr>
+        </p:nvSpPr>
+        <p:spPr/>
+        <p:txBody>
+          <a:bodyPr/>
+          <a:lstStyle/>
+          <a:p>
+            <a:fld id="{AC680282-5057-419C-A252-09790015086F}" type="slidenum">
+              <a:rPr lang="en-US" smtClean="0"/>
+              <a:t>5</a:t>
+            </a:fld>
+            <a:endParaRPr lang="en-US"/>
+          </a:p>
+        </p:txBody>
+      </p:sp>
+    </p:spTree>
+    <p:extLst>
+      <p:ext uri="{BB962C8B-B14F-4D97-AF65-F5344CB8AC3E}">
+        <p14:creationId xmlns:p14="http://schemas.microsoft.com/office/powerpoint/2010/main" val="1756422371"/>
+      </p:ext>
+    </p:extLst>
+  </p:cSld>
+  <p:clrMapOvr>
+    <a:masterClrMapping/>
+  </p:clrMapOvr>
+</p:notes>
+</file>
+
+<file path=ppt/notesSlides/notesSlide3.xml><?xml version="1.0" encoding="utf-8"?>
+<p:notes xmlns:a="http://schemas.openxmlformats.org/drawingml/2006/main" xmlns:r="http://schemas.openxmlformats.org/officeDocument/2006/relationships" xmlns:p="http://schemas.openxmlformats.org/presentationml/2006/main">
+  <p:cSld>
+    <p:spTree>
+      <p:nvGrpSpPr>
+        <p:cNvPr id="1" name=""/>
+        <p:cNvGrpSpPr/>
+        <p:nvPr/>
+      </p:nvGrpSpPr>
+      <p:grpSpPr>
+        <a:xfrm>
+          <a:off x="0" y="0"/>
+          <a:ext cx="0" cy="0"/>
+          <a:chOff x="0" y="0"/>
+          <a:chExt cx="0" cy="0"/>
+        </a:xfrm>
+      </p:grpSpPr>
+      <p:sp>
+        <p:nvSpPr>
+          <p:cNvPr id="2" name="Slide Image Placeholder 1"/>
+          <p:cNvSpPr>
+            <a:spLocks noGrp="1" noRot="1" noChangeAspect="1"/>
+          </p:cNvSpPr>
+          <p:nvPr>
+            <p:ph type="sldImg"/>
+          </p:nvPr>
+        </p:nvSpPr>
+        <p:spPr/>
+      </p:sp>
+      <p:sp>
+        <p:nvSpPr>
+          <p:cNvPr id="3" name="Notes Placeholder 2"/>
+          <p:cNvSpPr>
+            <a:spLocks noGrp="1"/>
+          </p:cNvSpPr>
+          <p:nvPr>
+            <p:ph type="body" idx="1"/>
+          </p:nvPr>
+        </p:nvSpPr>
+        <p:spPr/>
+        <p:txBody>
+          <a:bodyPr/>
+          <a:lstStyle/>
+          <a:p>
+            <a:r>
+              <a:rPr lang="en-US" dirty="0" smtClean="0"/>
+              <a:t>List things that would make this look different</a:t>
+            </a:r>
+            <a:r>
+              <a:rPr lang="en-US" baseline="0" dirty="0" smtClean="0"/>
+              <a:t> for Evan’s team.</a:t>
+            </a:r>
+          </a:p>
+          <a:p>
+            <a:endParaRPr lang="en-US" baseline="0" dirty="0" smtClean="0"/>
+          </a:p>
+          <a:p>
+            <a:r>
+              <a:rPr lang="en-US" baseline="0" dirty="0" smtClean="0"/>
+              <a:t>Can you identify transmission channels/influencers? Different by geography?</a:t>
+            </a:r>
+          </a:p>
+          <a:p>
+            <a:endParaRPr lang="en-US" baseline="0" dirty="0" smtClean="0"/>
+          </a:p>
+          <a:p>
+            <a:r>
+              <a:rPr lang="en-US" baseline="0" dirty="0" smtClean="0"/>
+              <a:t>Think about reference anchors for new analyses </a:t>
+            </a:r>
+            <a:r>
+              <a:rPr lang="en-US" baseline="0" dirty="0" err="1" smtClean="0"/>
+              <a:t>ppl</a:t>
+            </a:r>
+            <a:r>
+              <a:rPr lang="en-US" baseline="0" dirty="0" smtClean="0"/>
+              <a:t> haven’t seen yet. Think about looking at some of the other similar models and comparing results to this.</a:t>
+            </a:r>
+          </a:p>
+          <a:p>
+            <a:endParaRPr lang="en-US" baseline="0" dirty="0" smtClean="0"/>
+          </a:p>
+          <a:p>
+            <a:r>
+              <a:rPr lang="en-US" baseline="0" dirty="0" smtClean="0"/>
+              <a:t>Make sure other models are not causing false positives in this one.</a:t>
+            </a:r>
+            <a:endParaRPr lang="en-US" dirty="0"/>
+          </a:p>
+        </p:txBody>
+      </p:sp>
+      <p:sp>
+        <p:nvSpPr>
+          <p:cNvPr id="4" name="Slide Number Placeholder 3"/>
+          <p:cNvSpPr>
+            <a:spLocks noGrp="1"/>
+          </p:cNvSpPr>
+          <p:nvPr>
+            <p:ph type="sldNum" sz="quarter" idx="10"/>
+          </p:nvPr>
+        </p:nvSpPr>
+        <p:spPr/>
+        <p:txBody>
+          <a:bodyPr/>
+          <a:lstStyle/>
+          <a:p>
+            <a:fld id="{AC680282-5057-419C-A252-09790015086F}" type="slidenum">
+              <a:rPr lang="en-US" smtClean="0"/>
+              <a:t>15</a:t>
+            </a:fld>
+            <a:endParaRPr lang="en-US"/>
+          </a:p>
+        </p:txBody>
+      </p:sp>
+    </p:spTree>
+    <p:extLst>
+      <p:ext uri="{BB962C8B-B14F-4D97-AF65-F5344CB8AC3E}">
+        <p14:creationId xmlns:p14="http://schemas.microsoft.com/office/powerpoint/2010/main" val="2681303107"/>
+      </p:ext>
+    </p:extLst>
+  </p:cSld>
+  <p:clrMapOvr>
+    <a:masterClrMapping/>
+  </p:clrMapOvr>
+</p:notes>
+</file>
+
+<file path=ppt/notesSlides/notesSlide4.xml><?xml version="1.0" encoding="utf-8"?>
+<p:notes xmlns:a="http://schemas.openxmlformats.org/drawingml/2006/main" xmlns:r="http://schemas.openxmlformats.org/officeDocument/2006/relationships" xmlns:p="http://schemas.openxmlformats.org/presentationml/2006/main">
+  <p:cSld>
+    <p:spTree>
+      <p:nvGrpSpPr>
+        <p:cNvPr id="1" name=""/>
+        <p:cNvGrpSpPr/>
+        <p:nvPr/>
+      </p:nvGrpSpPr>
+      <p:grpSpPr>
+        <a:xfrm>
+          <a:off x="0" y="0"/>
+          <a:ext cx="0" cy="0"/>
+          <a:chOff x="0" y="0"/>
+          <a:chExt cx="0" cy="0"/>
+        </a:xfrm>
+      </p:grpSpPr>
+      <p:sp>
+        <p:nvSpPr>
+          <p:cNvPr id="2" name="Slide Image Placeholder 1"/>
+          <p:cNvSpPr>
+            <a:spLocks noGrp="1" noRot="1" noChangeAspect="1"/>
+          </p:cNvSpPr>
+          <p:nvPr>
+            <p:ph type="sldImg"/>
+          </p:nvPr>
+        </p:nvSpPr>
+        <p:spPr/>
+      </p:sp>
+      <p:sp>
+        <p:nvSpPr>
+          <p:cNvPr id="3" name="Notes Placeholder 2"/>
+          <p:cNvSpPr>
+            <a:spLocks noGrp="1"/>
+          </p:cNvSpPr>
+          <p:nvPr>
+            <p:ph type="body" idx="1"/>
+          </p:nvPr>
+        </p:nvSpPr>
+        <p:spPr/>
+        <p:txBody>
+          <a:bodyPr/>
+          <a:lstStyle/>
+          <a:p>
+            <a:r>
+              <a:rPr lang="en-US" dirty="0" smtClean="0"/>
+              <a:t>Preprocessing of time series data required;</a:t>
+            </a:r>
+            <a:r>
+              <a:rPr lang="en-US" baseline="0" dirty="0" smtClean="0"/>
+              <a:t> look at removing cyclical patterns/decomposition.</a:t>
+            </a:r>
+            <a:endParaRPr lang="en-US" dirty="0"/>
+          </a:p>
+        </p:txBody>
+      </p:sp>
+      <p:sp>
+        <p:nvSpPr>
+          <p:cNvPr id="4" name="Slide Number Placeholder 3"/>
+          <p:cNvSpPr>
+            <a:spLocks noGrp="1"/>
+          </p:cNvSpPr>
+          <p:nvPr>
+            <p:ph type="sldNum" sz="quarter" idx="10"/>
+          </p:nvPr>
+        </p:nvSpPr>
+        <p:spPr/>
+        <p:txBody>
+          <a:bodyPr/>
+          <a:lstStyle/>
+          <a:p>
+            <a:fld id="{AC680282-5057-419C-A252-09790015086F}" type="slidenum">
+              <a:rPr lang="en-US" smtClean="0"/>
+              <a:t>21</a:t>
+            </a:fld>
+            <a:endParaRPr lang="en-US"/>
+          </a:p>
+        </p:txBody>
+      </p:sp>
+    </p:spTree>
+    <p:extLst>
+      <p:ext uri="{BB962C8B-B14F-4D97-AF65-F5344CB8AC3E}">
+        <p14:creationId xmlns:p14="http://schemas.microsoft.com/office/powerpoint/2010/main" val="901145346"/>
+      </p:ext>
+    </p:extLst>
+  </p:cSld>
+  <p:clrMapOvr>
+    <a:masterClrMapping/>
+  </p:clrMapOvr>
+</p:notes>
+</file>
+
 <file path=ppt/slideLayouts/slideLayout1.xml><?xml version="1.0" encoding="utf-8"?>
 <p:sldLayout xmlns:a="http://schemas.openxmlformats.org/drawingml/2006/main" xmlns:r="http://schemas.openxmlformats.org/officeDocument/2006/relationships" xmlns:p="http://schemas.openxmlformats.org/presentationml/2006/main" showMasterSp="0" type="title" preserve="1">
   <p:cSld name="Title Slide">
@@ -947,7 +1275,7 @@
           <a:p>
             <a:fld id="{C14B231D-36BE-423E-B931-FB15DFFBF2AF}" type="datetime1">
               <a:rPr lang="en-US" smtClean="0"/>
-              <a:t>9/24/2019</a:t>
+              <a:t>9/26/2019</a:t>
             </a:fld>
             <a:endParaRPr lang="en-US"/>
           </a:p>
@@ -1222,7 +1550,7 @@
           <a:p>
             <a:fld id="{3966C3EE-A567-4C04-A991-2985D79F55EE}" type="datetime1">
               <a:rPr lang="en-US" smtClean="0"/>
-              <a:t>9/24/2019</a:t>
+              <a:t>9/26/2019</a:t>
             </a:fld>
             <a:endParaRPr lang="en-US"/>
           </a:p>
@@ -1416,7 +1744,7 @@
           <a:p>
             <a:fld id="{8BB656C1-1644-4830-9D71-7451A58A1D13}" type="datetime1">
               <a:rPr lang="en-US" smtClean="0"/>
-              <a:t>9/24/2019</a:t>
+              <a:t>9/26/2019</a:t>
             </a:fld>
             <a:endParaRPr lang="en-US"/>
           </a:p>
@@ -1689,7 +2017,7 @@
           <a:p>
             <a:fld id="{7E3BB4DF-0C3C-4DFE-B096-E6E4578D45F5}" type="datetime1">
               <a:rPr lang="en-US" smtClean="0"/>
-              <a:t>9/24/2019</a:t>
+              <a:t>9/26/2019</a:t>
             </a:fld>
             <a:endParaRPr lang="en-US"/>
           </a:p>
@@ -2030,7 +2358,7 @@
           <a:p>
             <a:fld id="{657B905A-B150-4DE4-ABBA-F3EFBA0CD6FC}" type="datetime1">
               <a:rPr lang="en-US" smtClean="0"/>
-              <a:t>9/24/2019</a:t>
+              <a:t>9/26/2019</a:t>
             </a:fld>
             <a:endParaRPr lang="en-US"/>
           </a:p>
@@ -2653,7 +2981,7 @@
           <a:p>
             <a:fld id="{300A39D1-ACBD-45BD-8B2A-3EE063E16A48}" type="datetime1">
               <a:rPr lang="en-US" smtClean="0"/>
-              <a:t>9/24/2019</a:t>
+              <a:t>9/26/2019</a:t>
             </a:fld>
             <a:endParaRPr lang="en-US"/>
           </a:p>
@@ -3513,7 +3841,7 @@
           <a:p>
             <a:fld id="{6C297116-BBC0-4ACC-BB41-B79174CDF01A}" type="datetime1">
               <a:rPr lang="en-US" smtClean="0"/>
-              <a:t>9/24/2019</a:t>
+              <a:t>9/26/2019</a:t>
             </a:fld>
             <a:endParaRPr lang="en-US"/>
           </a:p>
@@ -3683,7 +4011,7 @@
           <a:p>
             <a:fld id="{61F9665D-13B1-4AE9-95F8-68448A3D0069}" type="datetime1">
               <a:rPr lang="en-US" smtClean="0"/>
-              <a:t>9/24/2019</a:t>
+              <a:t>9/26/2019</a:t>
             </a:fld>
             <a:endParaRPr lang="en-US"/>
           </a:p>
@@ -3863,7 +4191,7 @@
           <a:p>
             <a:fld id="{FB07F40B-442F-4D12-84BA-5EDC2B5E0B31}" type="datetime1">
               <a:rPr lang="en-US" smtClean="0"/>
-              <a:t>9/24/2019</a:t>
+              <a:t>9/26/2019</a:t>
             </a:fld>
             <a:endParaRPr lang="en-US"/>
           </a:p>
@@ -4037,7 +4365,7 @@
           <a:p>
             <a:fld id="{337921DD-2FD9-459A-A55E-ADCC77459F32}" type="datetime1">
               <a:rPr lang="en-US" smtClean="0"/>
-              <a:t>9/24/2019</a:t>
+              <a:t>9/26/2019</a:t>
             </a:fld>
             <a:endParaRPr lang="en-US"/>
           </a:p>
@@ -4323,7 +4651,7 @@
           <a:p>
             <a:fld id="{71E8FDAC-0A7B-47D3-9AAB-DCD156062144}" type="datetime1">
               <a:rPr lang="en-US" smtClean="0"/>
-              <a:t>9/24/2019</a:t>
+              <a:t>9/26/2019</a:t>
             </a:fld>
             <a:endParaRPr lang="en-US"/>
           </a:p>
@@ -4615,7 +4943,7 @@
           <a:p>
             <a:fld id="{D4963012-944C-461C-A9B8-D1DF5CA6B6F9}" type="datetime1">
               <a:rPr lang="en-US" smtClean="0"/>
-              <a:t>9/24/2019</a:t>
+              <a:t>9/26/2019</a:t>
             </a:fld>
             <a:endParaRPr lang="en-US"/>
           </a:p>
@@ -5059,7 +5387,7 @@
           <a:p>
             <a:fld id="{C6E6960D-76BB-42A2-BB4D-E6869C19E391}" type="datetime1">
               <a:rPr lang="en-US" smtClean="0"/>
-              <a:t>9/24/2019</a:t>
+              <a:t>9/26/2019</a:t>
             </a:fld>
             <a:endParaRPr lang="en-US"/>
           </a:p>
@@ -5177,7 +5505,7 @@
           <a:p>
             <a:fld id="{CE4FF30A-3757-4907-80EA-B820ACE929B2}" type="datetime1">
               <a:rPr lang="en-US" smtClean="0"/>
-              <a:t>9/24/2019</a:t>
+              <a:t>9/26/2019</a:t>
             </a:fld>
             <a:endParaRPr lang="en-US"/>
           </a:p>
@@ -5272,7 +5600,7 @@
           <a:p>
             <a:fld id="{EFE58291-4DD9-418C-835B-0C4F67A674A1}" type="datetime1">
               <a:rPr lang="en-US" smtClean="0"/>
-              <a:t>9/24/2019</a:t>
+              <a:t>9/26/2019</a:t>
             </a:fld>
             <a:endParaRPr lang="en-US"/>
           </a:p>
@@ -5551,7 +5879,7 @@
           <a:p>
             <a:fld id="{E467DF18-74F6-4358-B730-D54E61C32EE4}" type="datetime1">
               <a:rPr lang="en-US" smtClean="0"/>
-              <a:t>9/24/2019</a:t>
+              <a:t>9/26/2019</a:t>
             </a:fld>
             <a:endParaRPr lang="en-US"/>
           </a:p>
@@ -5826,7 +6154,7 @@
           <a:p>
             <a:fld id="{7DC4BE7F-4F4B-4A1C-871A-4E3132C69D95}" type="datetime1">
               <a:rPr lang="en-US" smtClean="0"/>
-              <a:t>9/24/2019</a:t>
+              <a:t>9/26/2019</a:t>
             </a:fld>
             <a:endParaRPr lang="en-US"/>
           </a:p>
@@ -6264,7 +6592,7 @@
           <a:p>
             <a:fld id="{BC1046CA-1C87-49D6-A556-7A87EA0F1F67}" type="datetime1">
               <a:rPr lang="en-US" smtClean="0"/>
-              <a:t>9/24/2019</a:t>
+              <a:t>9/26/2019</a:t>
             </a:fld>
             <a:endParaRPr lang="en-US"/>
           </a:p>
@@ -6939,7 +7267,7 @@
                   <a:srgbClr val="FFFF00"/>
                 </a:solidFill>
               </a:rPr>
-              <a:t>Areas of Analysis</a:t>
+              <a:t>General Monitoring Tool</a:t>
             </a:r>
             <a:endParaRPr lang="en-US" b="1" dirty="0">
               <a:solidFill>
@@ -6961,82 +7289,141 @@
         </p:nvSpPr>
         <p:spPr/>
         <p:txBody>
-          <a:bodyPr/>
-          <a:lstStyle/>
+          <a:bodyPr>
+            <a:normAutofit/>
+          </a:bodyPr>
+          <a:lstStyle/>
+          <a:p>
+            <a:r>
+              <a:rPr lang="en-US" sz="2800" dirty="0" smtClean="0"/>
+              <a:t>Tool can flag anomalous recent behavior differing from past trends</a:t>
+            </a:r>
+          </a:p>
+          <a:p>
+            <a:endParaRPr lang="en-US" sz="2800" dirty="0" smtClean="0"/>
+          </a:p>
+          <a:p>
+            <a:endParaRPr lang="en-US" sz="2800" dirty="0"/>
+          </a:p>
+          <a:p>
+            <a:endParaRPr lang="en-US" sz="2800" dirty="0"/>
+          </a:p>
+          <a:p>
+            <a:endParaRPr lang="en-US" sz="2800" dirty="0" smtClean="0"/>
+          </a:p>
+          <a:p>
+            <a:endParaRPr lang="en-US" sz="2800" dirty="0" smtClean="0"/>
+          </a:p>
+          <a:p>
+            <a:pPr lvl="1"/>
+            <a:endParaRPr lang="en-US" sz="2600" dirty="0" smtClean="0"/>
+          </a:p>
           <a:p>
             <a:pPr marL="457200" indent="-457200">
               <a:buFont typeface="+mj-lt"/>
               <a:buAutoNum type="arabicPeriod"/>
             </a:pPr>
-            <a:r>
-              <a:rPr lang="en-US" sz="2800" dirty="0" smtClean="0"/>
-              <a:t>Reaction Timing/Speed</a:t>
-            </a:r>
-          </a:p>
-          <a:p>
-            <a:pPr marL="457200" indent="-457200">
-              <a:buFont typeface="+mj-lt"/>
-              <a:buAutoNum type="arabicPeriod"/>
+            <a:endParaRPr lang="en-US" sz="2400" dirty="0"/>
+          </a:p>
+          <a:p>
+            <a:pPr marL="0" indent="0">
+              <a:buNone/>
             </a:pPr>
-            <a:endParaRPr lang="en-US" sz="2800" dirty="0" smtClean="0"/>
-          </a:p>
-          <a:p>
-            <a:pPr marL="457200" indent="-457200">
-              <a:buFont typeface="+mj-lt"/>
-              <a:buAutoNum type="arabicPeriod"/>
-            </a:pPr>
-            <a:r>
-              <a:rPr lang="en-US" sz="2800" dirty="0" smtClean="0"/>
-              <a:t>Level/Variety of Engagement</a:t>
-            </a:r>
-          </a:p>
-          <a:p>
-            <a:pPr marL="457200" indent="-457200">
-              <a:buFont typeface="+mj-lt"/>
-              <a:buAutoNum type="arabicPeriod"/>
-            </a:pPr>
-            <a:endParaRPr lang="en-US" sz="2800" dirty="0" smtClean="0"/>
-          </a:p>
-          <a:p>
-            <a:pPr marL="457200" indent="-457200">
-              <a:buFont typeface="+mj-lt"/>
-              <a:buAutoNum type="arabicPeriod"/>
-            </a:pPr>
-            <a:r>
-              <a:rPr lang="en-US" sz="2800" dirty="0" smtClean="0"/>
-              <a:t>Geographic Analysis</a:t>
-            </a:r>
-          </a:p>
-          <a:p>
-            <a:pPr marL="457200" indent="-457200">
-              <a:buFont typeface="+mj-lt"/>
-              <a:buAutoNum type="arabicPeriod"/>
-            </a:pPr>
-            <a:endParaRPr lang="en-US" sz="2800" dirty="0" smtClean="0"/>
-          </a:p>
-          <a:p>
-            <a:pPr marL="457200" indent="-457200">
-              <a:buFont typeface="+mj-lt"/>
-              <a:buAutoNum type="arabicPeriod"/>
-            </a:pPr>
-            <a:r>
-              <a:rPr lang="en-US" sz="2800" dirty="0" smtClean="0"/>
-              <a:t>Content Analysis</a:t>
-            </a:r>
-          </a:p>
-          <a:p>
-            <a:pPr marL="457200" indent="-457200">
-              <a:buFont typeface="+mj-lt"/>
-              <a:buAutoNum type="arabicPeriod"/>
-            </a:pPr>
-            <a:endParaRPr lang="en-US" dirty="0"/>
-          </a:p>
-        </p:txBody>
-      </p:sp>
+            <a:endParaRPr lang="en-US" sz="2800" dirty="0"/>
+          </a:p>
+        </p:txBody>
+      </p:sp>
+      <p:grpSp>
+        <p:nvGrpSpPr>
+          <p:cNvPr id="8" name="Group 7"/>
+          <p:cNvGrpSpPr/>
+          <p:nvPr/>
+        </p:nvGrpSpPr>
+        <p:grpSpPr>
+          <a:xfrm>
+            <a:off x="2353777" y="3003082"/>
+            <a:ext cx="6065527" cy="3639316"/>
+            <a:chOff x="2353777" y="3003082"/>
+            <a:chExt cx="6065527" cy="3639316"/>
+          </a:xfrm>
+        </p:grpSpPr>
+        <p:pic>
+          <p:nvPicPr>
+            <p:cNvPr id="6" name="Picture 5"/>
+            <p:cNvPicPr>
+              <a:picLocks noChangeAspect="1"/>
+            </p:cNvPicPr>
+            <p:nvPr/>
+          </p:nvPicPr>
+          <p:blipFill>
+            <a:blip r:embed="rId2"/>
+            <a:stretch>
+              <a:fillRect/>
+            </a:stretch>
+          </p:blipFill>
+          <p:spPr>
+            <a:xfrm>
+              <a:off x="2353777" y="3003082"/>
+              <a:ext cx="6065527" cy="3639316"/>
+            </a:xfrm>
+            <a:prstGeom prst="rect">
+              <a:avLst/>
+            </a:prstGeom>
+          </p:spPr>
+        </p:pic>
+        <p:sp>
+          <p:nvSpPr>
+            <p:cNvPr id="7" name="Rectangle 6"/>
+            <p:cNvSpPr/>
+            <p:nvPr/>
+          </p:nvSpPr>
+          <p:spPr>
+            <a:xfrm>
+              <a:off x="7643813" y="3224213"/>
+              <a:ext cx="682039" cy="3057357"/>
+            </a:xfrm>
+            <a:prstGeom prst="rect">
+              <a:avLst/>
+            </a:prstGeom>
+            <a:solidFill>
+              <a:schemeClr val="accent1">
+                <a:alpha val="38000"/>
+              </a:schemeClr>
+            </a:solidFill>
+            <a:ln>
+              <a:noFill/>
+            </a:ln>
+          </p:spPr>
+          <p:style>
+            <a:lnRef idx="2">
+              <a:schemeClr val="accent1">
+                <a:shade val="50000"/>
+              </a:schemeClr>
+            </a:lnRef>
+            <a:fillRef idx="1">
+              <a:schemeClr val="accent1"/>
+            </a:fillRef>
+            <a:effectRef idx="0">
+              <a:schemeClr val="accent1"/>
+            </a:effectRef>
+            <a:fontRef idx="minor">
+              <a:schemeClr val="lt1"/>
+            </a:fontRef>
+          </p:style>
+          <p:txBody>
+            <a:bodyPr rtlCol="0" anchor="ctr"/>
+            <a:lstStyle/>
+            <a:p>
+              <a:pPr algn="ctr"/>
+              <a:endParaRPr lang="en-US"/>
+            </a:p>
+          </p:txBody>
+        </p:sp>
+      </p:grpSp>
     </p:spTree>
     <p:extLst>
       <p:ext uri="{BB962C8B-B14F-4D97-AF65-F5344CB8AC3E}">
-        <p14:creationId xmlns:p14="http://schemas.microsoft.com/office/powerpoint/2010/main" val="2647239918"/>
+        <p14:creationId xmlns:p14="http://schemas.microsoft.com/office/powerpoint/2010/main" val="1354930313"/>
       </p:ext>
     </p:extLst>
   </p:cSld>
@@ -7079,20 +7466,13 @@
           <a:lstStyle/>
           <a:p>
             <a:r>
-              <a:rPr lang="en-US" b="1" dirty="0">
+              <a:rPr lang="en-US" b="1" dirty="0" smtClean="0">
                 <a:solidFill>
                   <a:srgbClr val="FFFF00"/>
                 </a:solidFill>
               </a:rPr>
-              <a:t>Area 1. Reaction Timing/Speed</a:t>
-            </a:r>
-            <a:br>
-              <a:rPr lang="en-US" b="1" dirty="0">
-                <a:solidFill>
-                  <a:srgbClr val="FFFF00"/>
-                </a:solidFill>
-              </a:rPr>
-            </a:br>
+              <a:t>Areas of Analysis</a:t>
+            </a:r>
             <a:endParaRPr lang="en-US" b="1" dirty="0">
               <a:solidFill>
                 <a:srgbClr val="FFFF00"/>
@@ -7120,6 +7500,67 @@
               <a:buFont typeface="+mj-lt"/>
               <a:buAutoNum type="arabicPeriod"/>
             </a:pPr>
+            <a:r>
+              <a:rPr lang="en-US" sz="2800" dirty="0" smtClean="0"/>
+              <a:t>Reaction Timing/Speed</a:t>
+            </a:r>
+          </a:p>
+          <a:p>
+            <a:pPr marL="457200" indent="-457200">
+              <a:buFont typeface="+mj-lt"/>
+              <a:buAutoNum type="arabicPeriod"/>
+            </a:pPr>
+            <a:endParaRPr lang="en-US" sz="2800" dirty="0" smtClean="0"/>
+          </a:p>
+          <a:p>
+            <a:pPr marL="457200" indent="-457200">
+              <a:buFont typeface="+mj-lt"/>
+              <a:buAutoNum type="arabicPeriod"/>
+            </a:pPr>
+            <a:r>
+              <a:rPr lang="en-US" sz="2800" dirty="0" smtClean="0"/>
+              <a:t>Level/Variety of Engagement</a:t>
+            </a:r>
+          </a:p>
+          <a:p>
+            <a:pPr marL="457200" indent="-457200">
+              <a:buFont typeface="+mj-lt"/>
+              <a:buAutoNum type="arabicPeriod"/>
+            </a:pPr>
+            <a:endParaRPr lang="en-US" sz="2800" dirty="0" smtClean="0"/>
+          </a:p>
+          <a:p>
+            <a:pPr marL="457200" indent="-457200">
+              <a:buFont typeface="+mj-lt"/>
+              <a:buAutoNum type="arabicPeriod"/>
+            </a:pPr>
+            <a:r>
+              <a:rPr lang="en-US" sz="2800" dirty="0" smtClean="0"/>
+              <a:t>Geographic Analysis</a:t>
+            </a:r>
+          </a:p>
+          <a:p>
+            <a:pPr marL="457200" indent="-457200">
+              <a:buFont typeface="+mj-lt"/>
+              <a:buAutoNum type="arabicPeriod"/>
+            </a:pPr>
+            <a:endParaRPr lang="en-US" sz="2800" dirty="0" smtClean="0"/>
+          </a:p>
+          <a:p>
+            <a:pPr marL="457200" indent="-457200">
+              <a:buFont typeface="+mj-lt"/>
+              <a:buAutoNum type="arabicPeriod"/>
+            </a:pPr>
+            <a:r>
+              <a:rPr lang="en-US" sz="2800" dirty="0" smtClean="0"/>
+              <a:t>Content Analysis</a:t>
+            </a:r>
+          </a:p>
+          <a:p>
+            <a:pPr marL="457200" indent="-457200">
+              <a:buFont typeface="+mj-lt"/>
+              <a:buAutoNum type="arabicPeriod"/>
+            </a:pPr>
             <a:endParaRPr lang="en-US" dirty="0"/>
           </a:p>
         </p:txBody>
@@ -7127,7 +7568,7 @@
     </p:spTree>
     <p:extLst>
       <p:ext uri="{BB962C8B-B14F-4D97-AF65-F5344CB8AC3E}">
-        <p14:creationId xmlns:p14="http://schemas.microsoft.com/office/powerpoint/2010/main" val="2893403269"/>
+        <p14:creationId xmlns:p14="http://schemas.microsoft.com/office/powerpoint/2010/main" val="2647239918"/>
       </p:ext>
     </p:extLst>
   </p:cSld>
@@ -7175,7 +7616,7 @@
                   <a:srgbClr val="FFFF00"/>
                 </a:solidFill>
               </a:rPr>
-              <a:t>Area 2. Level/Variety of Engagement</a:t>
+              <a:t>Area 1. Reaction Timing/Speed</a:t>
             </a:r>
             <a:br>
               <a:rPr lang="en-US" b="1" dirty="0">
@@ -7218,7 +7659,7 @@
     </p:spTree>
     <p:extLst>
       <p:ext uri="{BB962C8B-B14F-4D97-AF65-F5344CB8AC3E}">
-        <p14:creationId xmlns:p14="http://schemas.microsoft.com/office/powerpoint/2010/main" val="1064257207"/>
+        <p14:creationId xmlns:p14="http://schemas.microsoft.com/office/powerpoint/2010/main" val="2893403269"/>
       </p:ext>
     </p:extLst>
   </p:cSld>
@@ -7266,7 +7707,7 @@
                   <a:srgbClr val="FFFF00"/>
                 </a:solidFill>
               </a:rPr>
-              <a:t>Area 3. Geographic Analysis</a:t>
+              <a:t>Area 2. Level/Variety of Engagement</a:t>
             </a:r>
             <a:br>
               <a:rPr lang="en-US" b="1" dirty="0">
@@ -7295,102 +7736,21 @@
         </p:nvSpPr>
         <p:spPr/>
         <p:txBody>
-          <a:bodyPr>
-            <a:normAutofit lnSpcReduction="10000"/>
-          </a:bodyPr>
-          <a:lstStyle/>
-          <a:p>
-            <a:pPr marL="0" indent="0">
-              <a:buNone/>
+          <a:bodyPr/>
+          <a:lstStyle/>
+          <a:p>
+            <a:pPr marL="457200" indent="-457200">
+              <a:buFont typeface="+mj-lt"/>
+              <a:buAutoNum type="arabicPeriod"/>
             </a:pPr>
-            <a:r>
-              <a:rPr lang="en-US" sz="2400" b="1" dirty="0" smtClean="0">
-                <a:solidFill>
-                  <a:srgbClr val="00FFFF"/>
-                </a:solidFill>
-              </a:rPr>
-              <a:t>Analysis Summary</a:t>
-            </a:r>
-          </a:p>
-          <a:p>
-            <a:pPr marL="0" indent="0">
-              <a:buNone/>
-            </a:pPr>
-            <a:endParaRPr lang="en-US" sz="2400" b="1" dirty="0" smtClean="0">
-              <a:solidFill>
-                <a:srgbClr val="00FFFF"/>
-              </a:solidFill>
-            </a:endParaRPr>
-          </a:p>
-          <a:p>
-            <a:r>
-              <a:rPr lang="en-US" sz="2400" dirty="0" smtClean="0"/>
-              <a:t>Limited tweet geolocation data</a:t>
-            </a:r>
-          </a:p>
-          <a:p>
-            <a:endParaRPr lang="en-US" sz="2400" dirty="0"/>
-          </a:p>
-          <a:p>
-            <a:r>
-              <a:rPr lang="en-US" sz="2400" dirty="0" smtClean="0"/>
-              <a:t>Sophisticated geospatial analysis not really feasible</a:t>
-            </a:r>
-          </a:p>
-          <a:p>
-            <a:endParaRPr lang="en-US" sz="2400" dirty="0"/>
-          </a:p>
-          <a:p>
-            <a:r>
-              <a:rPr lang="en-US" sz="2400" dirty="0" smtClean="0"/>
-              <a:t>580 of 2723 (21%) tweets had geolocation data</a:t>
-            </a:r>
-          </a:p>
-          <a:p>
-            <a:endParaRPr lang="en-US" sz="2400" dirty="0"/>
-          </a:p>
-          <a:p>
-            <a:r>
-              <a:rPr lang="en-US" sz="2400" dirty="0" smtClean="0"/>
-              <a:t>Mostly U.S. eastern seaboard cities</a:t>
-            </a:r>
-            <a:endParaRPr lang="en-US" sz="2400" dirty="0"/>
-          </a:p>
-          <a:p>
-            <a:endParaRPr lang="en-US" sz="2400" dirty="0" smtClean="0"/>
-          </a:p>
-          <a:p>
-            <a:endParaRPr lang="en-US" sz="2400" dirty="0" smtClean="0"/>
-          </a:p>
-          <a:p>
-            <a:endParaRPr lang="en-US" sz="2400" dirty="0"/>
-          </a:p>
-          <a:p>
-            <a:pPr marL="0" indent="0">
-              <a:buNone/>
-            </a:pPr>
-            <a:endParaRPr lang="en-US" sz="2400" b="1" dirty="0" smtClean="0">
-              <a:solidFill>
-                <a:srgbClr val="00FFFF"/>
-              </a:solidFill>
-            </a:endParaRPr>
-          </a:p>
-          <a:p>
-            <a:pPr marL="0" indent="0">
-              <a:buNone/>
-            </a:pPr>
-            <a:endParaRPr lang="en-US" sz="2400" b="1" dirty="0">
-              <a:solidFill>
-                <a:srgbClr val="00FFFF"/>
-              </a:solidFill>
-            </a:endParaRPr>
+            <a:endParaRPr lang="en-US" dirty="0"/>
           </a:p>
         </p:txBody>
       </p:sp>
     </p:spTree>
     <p:extLst>
       <p:ext uri="{BB962C8B-B14F-4D97-AF65-F5344CB8AC3E}">
-        <p14:creationId xmlns:p14="http://schemas.microsoft.com/office/powerpoint/2010/main" val="2526611753"/>
+        <p14:creationId xmlns:p14="http://schemas.microsoft.com/office/powerpoint/2010/main" val="1064257207"/>
       </p:ext>
     </p:extLst>
   </p:cSld>
@@ -7468,6 +7828,178 @@
         <p:spPr/>
         <p:txBody>
           <a:bodyPr>
+            <a:normAutofit lnSpcReduction="10000"/>
+          </a:bodyPr>
+          <a:lstStyle/>
+          <a:p>
+            <a:pPr marL="0" indent="0">
+              <a:buNone/>
+            </a:pPr>
+            <a:r>
+              <a:rPr lang="en-US" sz="2400" b="1" dirty="0" smtClean="0">
+                <a:solidFill>
+                  <a:srgbClr val="00FFFF"/>
+                </a:solidFill>
+              </a:rPr>
+              <a:t>Analysis Summary</a:t>
+            </a:r>
+          </a:p>
+          <a:p>
+            <a:pPr marL="0" indent="0">
+              <a:buNone/>
+            </a:pPr>
+            <a:endParaRPr lang="en-US" sz="2400" b="1" dirty="0" smtClean="0">
+              <a:solidFill>
+                <a:srgbClr val="00FFFF"/>
+              </a:solidFill>
+            </a:endParaRPr>
+          </a:p>
+          <a:p>
+            <a:r>
+              <a:rPr lang="en-US" sz="2400" dirty="0" smtClean="0"/>
+              <a:t>Limited tweet geolocation data</a:t>
+            </a:r>
+          </a:p>
+          <a:p>
+            <a:endParaRPr lang="en-US" sz="2400" dirty="0"/>
+          </a:p>
+          <a:p>
+            <a:r>
+              <a:rPr lang="en-US" sz="2400" dirty="0" smtClean="0"/>
+              <a:t>Sophisticated geospatial analysis not really feasible</a:t>
+            </a:r>
+          </a:p>
+          <a:p>
+            <a:endParaRPr lang="en-US" sz="2400" dirty="0"/>
+          </a:p>
+          <a:p>
+            <a:r>
+              <a:rPr lang="en-US" sz="2400" dirty="0" smtClean="0"/>
+              <a:t>580 of 2723 (21%) tweets had geolocation data</a:t>
+            </a:r>
+          </a:p>
+          <a:p>
+            <a:endParaRPr lang="en-US" sz="2400" dirty="0"/>
+          </a:p>
+          <a:p>
+            <a:r>
+              <a:rPr lang="en-US" sz="2400" dirty="0" smtClean="0"/>
+              <a:t>Mostly U.S. eastern seaboard cities</a:t>
+            </a:r>
+            <a:endParaRPr lang="en-US" sz="2400" dirty="0"/>
+          </a:p>
+          <a:p>
+            <a:endParaRPr lang="en-US" sz="2400" dirty="0" smtClean="0"/>
+          </a:p>
+          <a:p>
+            <a:endParaRPr lang="en-US" sz="2400" dirty="0" smtClean="0"/>
+          </a:p>
+          <a:p>
+            <a:endParaRPr lang="en-US" sz="2400" dirty="0"/>
+          </a:p>
+          <a:p>
+            <a:pPr marL="0" indent="0">
+              <a:buNone/>
+            </a:pPr>
+            <a:endParaRPr lang="en-US" sz="2400" b="1" dirty="0" smtClean="0">
+              <a:solidFill>
+                <a:srgbClr val="00FFFF"/>
+              </a:solidFill>
+            </a:endParaRPr>
+          </a:p>
+          <a:p>
+            <a:pPr marL="0" indent="0">
+              <a:buNone/>
+            </a:pPr>
+            <a:endParaRPr lang="en-US" sz="2400" b="1" dirty="0">
+              <a:solidFill>
+                <a:srgbClr val="00FFFF"/>
+              </a:solidFill>
+            </a:endParaRPr>
+          </a:p>
+        </p:txBody>
+      </p:sp>
+    </p:spTree>
+    <p:extLst>
+      <p:ext uri="{BB962C8B-B14F-4D97-AF65-F5344CB8AC3E}">
+        <p14:creationId xmlns:p14="http://schemas.microsoft.com/office/powerpoint/2010/main" val="2526611753"/>
+      </p:ext>
+    </p:extLst>
+  </p:cSld>
+  <p:clrMapOvr>
+    <a:masterClrMapping/>
+  </p:clrMapOvr>
+</p:sld>
+</file>
+
+<file path=ppt/slides/slide15.xml><?xml version="1.0" encoding="utf-8"?>
+<p:sld xmlns:a="http://schemas.openxmlformats.org/drawingml/2006/main" xmlns:r="http://schemas.openxmlformats.org/officeDocument/2006/relationships" xmlns:p="http://schemas.openxmlformats.org/presentationml/2006/main">
+  <p:cSld>
+    <p:spTree>
+      <p:nvGrpSpPr>
+        <p:cNvPr id="1" name=""/>
+        <p:cNvGrpSpPr/>
+        <p:nvPr/>
+      </p:nvGrpSpPr>
+      <p:grpSpPr>
+        <a:xfrm>
+          <a:off x="0" y="0"/>
+          <a:ext cx="0" cy="0"/>
+          <a:chOff x="0" y="0"/>
+          <a:chExt cx="0" cy="0"/>
+        </a:xfrm>
+      </p:grpSpPr>
+      <p:sp>
+        <p:nvSpPr>
+          <p:cNvPr id="2" name="Title 1"/>
+          <p:cNvSpPr>
+            <a:spLocks noGrp="1"/>
+          </p:cNvSpPr>
+          <p:nvPr>
+            <p:ph type="title"/>
+          </p:nvPr>
+        </p:nvSpPr>
+        <p:spPr/>
+        <p:txBody>
+          <a:bodyPr/>
+          <a:lstStyle/>
+          <a:p>
+            <a:r>
+              <a:rPr lang="en-US" b="1" dirty="0">
+                <a:solidFill>
+                  <a:srgbClr val="FFFF00"/>
+                </a:solidFill>
+              </a:rPr>
+              <a:t>Area 3. Geographic Analysis</a:t>
+            </a:r>
+            <a:br>
+              <a:rPr lang="en-US" b="1" dirty="0">
+                <a:solidFill>
+                  <a:srgbClr val="FFFF00"/>
+                </a:solidFill>
+              </a:rPr>
+            </a:br>
+            <a:endParaRPr lang="en-US" b="1" dirty="0">
+              <a:solidFill>
+                <a:srgbClr val="FFFF00"/>
+              </a:solidFill>
+            </a:endParaRPr>
+          </a:p>
+        </p:txBody>
+      </p:sp>
+      <p:sp>
+        <p:nvSpPr>
+          <p:cNvPr id="3" name="Content Placeholder 2"/>
+          <p:cNvSpPr>
+            <a:spLocks noGrp="1"/>
+          </p:cNvSpPr>
+          <p:nvPr>
+            <p:ph idx="1"/>
+          </p:nvPr>
+        </p:nvSpPr>
+        <p:spPr/>
+        <p:txBody>
+          <a:bodyPr>
             <a:normAutofit/>
           </a:bodyPr>
           <a:lstStyle/>
@@ -7511,7 +8043,7 @@
           <p:nvPr/>
         </p:nvPicPr>
         <p:blipFill>
-          <a:blip r:embed="rId2"/>
+          <a:blip r:embed="rId3"/>
           <a:stretch>
             <a:fillRect/>
           </a:stretch>
@@ -7539,7 +8071,7 @@
 </p:sld>
 </file>
 
-<file path=ppt/slides/slide15.xml><?xml version="1.0" encoding="utf-8"?>
+<file path=ppt/slides/slide16.xml><?xml version="1.0" encoding="utf-8"?>
 <p:sld xmlns:a="http://schemas.openxmlformats.org/drawingml/2006/main" xmlns:r="http://schemas.openxmlformats.org/officeDocument/2006/relationships" xmlns:p="http://schemas.openxmlformats.org/presentationml/2006/main">
   <p:cSld>
     <p:spTree>
@@ -7678,156 +8210,6 @@
 </p:sld>
 </file>
 
-<file path=ppt/slides/slide16.xml><?xml version="1.0" encoding="utf-8"?>
-<p:sld xmlns:a="http://schemas.openxmlformats.org/drawingml/2006/main" xmlns:r="http://schemas.openxmlformats.org/officeDocument/2006/relationships" xmlns:p="http://schemas.openxmlformats.org/presentationml/2006/main">
-  <p:cSld>
-    <p:spTree>
-      <p:nvGrpSpPr>
-        <p:cNvPr id="1" name=""/>
-        <p:cNvGrpSpPr/>
-        <p:nvPr/>
-      </p:nvGrpSpPr>
-      <p:grpSpPr>
-        <a:xfrm>
-          <a:off x="0" y="0"/>
-          <a:ext cx="0" cy="0"/>
-          <a:chOff x="0" y="0"/>
-          <a:chExt cx="0" cy="0"/>
-        </a:xfrm>
-      </p:grpSpPr>
-      <p:sp>
-        <p:nvSpPr>
-          <p:cNvPr id="2" name="Title 1"/>
-          <p:cNvSpPr>
-            <a:spLocks noGrp="1"/>
-          </p:cNvSpPr>
-          <p:nvPr>
-            <p:ph type="title"/>
-          </p:nvPr>
-        </p:nvSpPr>
-        <p:spPr/>
-        <p:txBody>
-          <a:bodyPr/>
-          <a:lstStyle/>
-          <a:p>
-            <a:r>
-              <a:rPr lang="en-US" b="1" dirty="0">
-                <a:solidFill>
-                  <a:srgbClr val="FFFF00"/>
-                </a:solidFill>
-              </a:rPr>
-              <a:t>Area 3. Geographic Analysis</a:t>
-            </a:r>
-            <a:br>
-              <a:rPr lang="en-US" b="1" dirty="0">
-                <a:solidFill>
-                  <a:srgbClr val="FFFF00"/>
-                </a:solidFill>
-              </a:rPr>
-            </a:br>
-            <a:endParaRPr lang="en-US" b="1" dirty="0">
-              <a:solidFill>
-                <a:srgbClr val="FFFF00"/>
-              </a:solidFill>
-            </a:endParaRPr>
-          </a:p>
-        </p:txBody>
-      </p:sp>
-      <p:sp>
-        <p:nvSpPr>
-          <p:cNvPr id="3" name="Content Placeholder 2"/>
-          <p:cNvSpPr>
-            <a:spLocks noGrp="1"/>
-          </p:cNvSpPr>
-          <p:nvPr>
-            <p:ph idx="1"/>
-          </p:nvPr>
-        </p:nvSpPr>
-        <p:spPr/>
-        <p:txBody>
-          <a:bodyPr>
-            <a:normAutofit/>
-          </a:bodyPr>
-          <a:lstStyle/>
-          <a:p>
-            <a:pPr marL="0" indent="0">
-              <a:buNone/>
-            </a:pPr>
-            <a:r>
-              <a:rPr lang="en-US" sz="2400" b="1" dirty="0" smtClean="0">
-                <a:solidFill>
-                  <a:srgbClr val="00FFFF"/>
-                </a:solidFill>
-              </a:rPr>
-              <a:t>Monitoring Possibilities</a:t>
-            </a:r>
-          </a:p>
-          <a:p>
-            <a:r>
-              <a:rPr lang="en-US" sz="2400" dirty="0" smtClean="0"/>
-              <a:t>On-demand </a:t>
-            </a:r>
-            <a:r>
-              <a:rPr lang="en-US" sz="2400" dirty="0" smtClean="0"/>
-              <a:t>update and reproduction</a:t>
-            </a:r>
-          </a:p>
-          <a:p>
-            <a:endParaRPr lang="en-US" sz="2400" dirty="0" smtClean="0"/>
-          </a:p>
-          <a:p>
-            <a:r>
-              <a:rPr lang="en-US" sz="2400" dirty="0" smtClean="0"/>
-              <a:t>Automated anomaly alerts when recent tweets are coming in from cities different than in the past</a:t>
-            </a:r>
-          </a:p>
-          <a:p>
-            <a:endParaRPr lang="en-US" sz="2400" dirty="0"/>
-          </a:p>
-          <a:p>
-            <a:endParaRPr lang="en-US" sz="2400" dirty="0" smtClean="0"/>
-          </a:p>
-          <a:p>
-            <a:endParaRPr lang="en-US" sz="2400" dirty="0" smtClean="0"/>
-          </a:p>
-          <a:p>
-            <a:endParaRPr lang="en-US" sz="2400" dirty="0"/>
-          </a:p>
-          <a:p>
-            <a:pPr marL="0" indent="0">
-              <a:buNone/>
-            </a:pPr>
-            <a:endParaRPr lang="en-US" sz="2400" b="1" dirty="0" smtClean="0">
-              <a:solidFill>
-                <a:srgbClr val="00FFFF"/>
-              </a:solidFill>
-            </a:endParaRPr>
-          </a:p>
-          <a:p>
-            <a:pPr marL="0" indent="0">
-              <a:buNone/>
-            </a:pPr>
-            <a:endParaRPr lang="en-US" sz="2400" b="1" dirty="0">
-              <a:solidFill>
-                <a:srgbClr val="00FFFF"/>
-              </a:solidFill>
-            </a:endParaRPr>
-          </a:p>
-        </p:txBody>
-      </p:sp>
-    </p:spTree>
-    <p:extLst>
-      <p:ext uri="{BB962C8B-B14F-4D97-AF65-F5344CB8AC3E}">
-        <p14:creationId xmlns:p14="http://schemas.microsoft.com/office/powerpoint/2010/main" val="4130799235"/>
-      </p:ext>
-    </p:extLst>
-  </p:cSld>
-  <p:clrMapOvr>
-    <a:masterClrMapping/>
-  </p:clrMapOvr>
-</p:sld>
-</file>
-
 <file path=ppt/slides/slide17.xml><?xml version="1.0" encoding="utf-8"?>
 <p:sld xmlns:a="http://schemas.openxmlformats.org/drawingml/2006/main" xmlns:r="http://schemas.openxmlformats.org/officeDocument/2006/relationships" xmlns:p="http://schemas.openxmlformats.org/presentationml/2006/main">
   <p:cSld>
@@ -7915,15 +8297,7 @@
           <a:p>
             <a:r>
               <a:rPr lang="en-US" sz="2400" dirty="0" smtClean="0"/>
-              <a:t>Most were </a:t>
-            </a:r>
-            <a:r>
-              <a:rPr lang="en-US" sz="2400" dirty="0" smtClean="0"/>
-              <a:t>advertisements for articles/webinars about BPCIA, but didn’t contain </a:t>
-            </a:r>
-            <a:r>
-              <a:rPr lang="en-US" sz="2400" dirty="0" smtClean="0"/>
-              <a:t>substantive or sentimental language</a:t>
+              <a:t>Most were advertisements for articles/webinars about BPCIA, but didn’t contain substantive or sentimental language</a:t>
             </a:r>
           </a:p>
           <a:p>
@@ -7951,7 +8325,6 @@
               <a:rPr lang="en-US" sz="2400" dirty="0" smtClean="0"/>
               <a:t>tweets identified in sentiment analysis. Automated detection of issues difficult.</a:t>
             </a:r>
-            <a:endParaRPr lang="en-US" sz="2400" dirty="0" smtClean="0"/>
           </a:p>
           <a:p>
             <a:endParaRPr lang="en-US" sz="2400" dirty="0"/>
@@ -8083,7 +8456,6 @@
               <a:rPr lang="en-US" sz="2400" dirty="0" smtClean="0"/>
               <a:t>Can sort tweets by sentiment score in GUI. There is some noise in scores though.</a:t>
             </a:r>
-            <a:endParaRPr lang="en-US" sz="2400" dirty="0" smtClean="0"/>
           </a:p>
         </p:txBody>
       </p:sp>
@@ -8236,10 +8608,18 @@
               <a:rPr lang="en-US" sz="2400" dirty="0" smtClean="0"/>
               <a:t>Negative tweets do point out some issues, and are worth monitoring</a:t>
             </a:r>
+          </a:p>
+          <a:p>
             <a:endParaRPr lang="en-US" sz="2400" dirty="0" smtClean="0"/>
           </a:p>
           <a:p>
-            <a:endParaRPr lang="en-US" sz="2400" dirty="0" smtClean="0"/>
+            <a:r>
+              <a:rPr lang="en-US" sz="2400" dirty="0" smtClean="0"/>
+              <a:t>May overlap with media analysis, as many are linking to articles.</a:t>
+            </a:r>
+          </a:p>
+          <a:p>
+            <a:endParaRPr lang="en-US" sz="2400" dirty="0"/>
           </a:p>
           <a:p>
             <a:r>
@@ -8264,7 +8644,7 @@
     </p:spTree>
     <p:extLst>
       <p:ext uri="{BB962C8B-B14F-4D97-AF65-F5344CB8AC3E}">
-        <p14:creationId xmlns:p14="http://schemas.microsoft.com/office/powerpoint/2010/main" val="3856447051"/>
+        <p14:creationId xmlns:p14="http://schemas.microsoft.com/office/powerpoint/2010/main" val="1357851762"/>
       </p:ext>
     </p:extLst>
   </p:cSld>
@@ -8509,48 +8889,118 @@
           <a:bodyPr/>
           <a:lstStyle/>
           <a:p>
-            <a:r>
-              <a:rPr lang="en-US" sz="2400" dirty="0" smtClean="0"/>
-              <a:t>Positive tweets tend to be general banalities </a:t>
-            </a:r>
-          </a:p>
-          <a:p>
             <a:endParaRPr lang="en-US" sz="2400" dirty="0"/>
           </a:p>
           <a:p>
-            <a:r>
-              <a:rPr lang="en-US" sz="2400" dirty="0" smtClean="0"/>
-              <a:t>Negative tweets do point out some issues, and are worth monitoring</a:t>
-            </a:r>
             <a:endParaRPr lang="en-US" sz="2400" dirty="0" smtClean="0"/>
           </a:p>
           <a:p>
+            <a:endParaRPr lang="en-US" sz="2400" dirty="0"/>
+          </a:p>
+          <a:p>
             <a:endParaRPr lang="en-US" sz="2400" dirty="0" smtClean="0"/>
           </a:p>
-          <a:p>
-            <a:r>
-              <a:rPr lang="en-US" sz="2400" dirty="0" smtClean="0"/>
-              <a:t>Some issues found in negative tweets…</a:t>
-            </a:r>
-          </a:p>
-          <a:p>
-            <a:endParaRPr lang="en-US" sz="2400" dirty="0"/>
-          </a:p>
-          <a:p>
-            <a:endParaRPr lang="en-US" sz="2400" dirty="0" smtClean="0"/>
-          </a:p>
-          <a:p>
-            <a:endParaRPr lang="en-US" sz="2400" dirty="0"/>
-          </a:p>
-          <a:p>
-            <a:endParaRPr lang="en-US" sz="2400" dirty="0" smtClean="0"/>
-          </a:p>
-        </p:txBody>
-      </p:sp>
+        </p:txBody>
+      </p:sp>
+      <p:pic>
+        <p:nvPicPr>
+          <p:cNvPr id="4" name="Picture 3"/>
+          <p:cNvPicPr>
+            <a:picLocks noChangeAspect="1"/>
+          </p:cNvPicPr>
+          <p:nvPr/>
+        </p:nvPicPr>
+        <p:blipFill>
+          <a:blip r:embed="rId2"/>
+          <a:stretch>
+            <a:fillRect/>
+          </a:stretch>
+        </p:blipFill>
+        <p:spPr>
+          <a:xfrm>
+            <a:off x="335931" y="1390198"/>
+            <a:ext cx="4784709" cy="2623873"/>
+          </a:xfrm>
+          <a:prstGeom prst="rect">
+            <a:avLst/>
+          </a:prstGeom>
+        </p:spPr>
+      </p:pic>
+      <p:pic>
+        <p:nvPicPr>
+          <p:cNvPr id="5" name="Picture 4"/>
+          <p:cNvPicPr>
+            <a:picLocks noChangeAspect="1"/>
+          </p:cNvPicPr>
+          <p:nvPr/>
+        </p:nvPicPr>
+        <p:blipFill>
+          <a:blip r:embed="rId3"/>
+          <a:stretch>
+            <a:fillRect/>
+          </a:stretch>
+        </p:blipFill>
+        <p:spPr>
+          <a:xfrm>
+            <a:off x="6110588" y="1390198"/>
+            <a:ext cx="5514975" cy="1990725"/>
+          </a:xfrm>
+          <a:prstGeom prst="rect">
+            <a:avLst/>
+          </a:prstGeom>
+        </p:spPr>
+      </p:pic>
+      <p:pic>
+        <p:nvPicPr>
+          <p:cNvPr id="6" name="Picture 5"/>
+          <p:cNvPicPr>
+            <a:picLocks noChangeAspect="1"/>
+          </p:cNvPicPr>
+          <p:nvPr/>
+        </p:nvPicPr>
+        <p:blipFill>
+          <a:blip r:embed="rId4"/>
+          <a:stretch>
+            <a:fillRect/>
+          </a:stretch>
+        </p:blipFill>
+        <p:spPr>
+          <a:xfrm>
+            <a:off x="335931" y="4150658"/>
+            <a:ext cx="5140844" cy="2473258"/>
+          </a:xfrm>
+          <a:prstGeom prst="rect">
+            <a:avLst/>
+          </a:prstGeom>
+        </p:spPr>
+      </p:pic>
+      <p:pic>
+        <p:nvPicPr>
+          <p:cNvPr id="8" name="Picture 7"/>
+          <p:cNvPicPr>
+            <a:picLocks noChangeAspect="1"/>
+          </p:cNvPicPr>
+          <p:nvPr/>
+        </p:nvPicPr>
+        <p:blipFill rotWithShape="1">
+          <a:blip r:embed="rId5"/>
+          <a:srcRect b="14093"/>
+          <a:stretch/>
+        </p:blipFill>
+        <p:spPr>
+          <a:xfrm>
+            <a:off x="6103569" y="4014071"/>
+            <a:ext cx="5457825" cy="2282947"/>
+          </a:xfrm>
+          <a:prstGeom prst="rect">
+            <a:avLst/>
+          </a:prstGeom>
+        </p:spPr>
+      </p:pic>
     </p:spTree>
     <p:extLst>
       <p:ext uri="{BB962C8B-B14F-4D97-AF65-F5344CB8AC3E}">
-        <p14:creationId xmlns:p14="http://schemas.microsoft.com/office/powerpoint/2010/main" val="1357851762"/>
+        <p14:creationId xmlns:p14="http://schemas.microsoft.com/office/powerpoint/2010/main" val="926847440"/>
       </p:ext>
     </p:extLst>
   </p:cSld>
@@ -8624,7 +9074,7 @@
           <p:nvPr/>
         </p:nvPicPr>
         <p:blipFill rotWithShape="1">
-          <a:blip r:embed="rId2"/>
+          <a:blip r:embed="rId3"/>
           <a:srcRect l="5985" r="6376"/>
           <a:stretch/>
         </p:blipFill>
@@ -8679,6 +9129,9 @@
             </a:r>
           </a:p>
           <a:p>
+            <a:endParaRPr lang="en-US" sz="2400" dirty="0" smtClean="0"/>
+          </a:p>
+          <a:p>
             <a:r>
               <a:rPr lang="en-US" sz="2400" dirty="0" smtClean="0"/>
               <a:t>Nothing particularly </a:t>
@@ -8694,17 +9147,16 @@
               <a:rPr lang="en-US" sz="2400" dirty="0" smtClean="0"/>
             </a:br>
             <a:r>
-              <a:rPr lang="en-US" sz="2400" smtClean="0"/>
+              <a:rPr lang="en-US" sz="2400" dirty="0" smtClean="0"/>
               <a:t>worth keeping an eye</a:t>
             </a:r>
             <a:br>
-              <a:rPr lang="en-US" sz="2400" smtClean="0"/>
+              <a:rPr lang="en-US" sz="2400" dirty="0" smtClean="0"/>
             </a:br>
             <a:r>
-              <a:rPr lang="en-US" sz="2400" smtClean="0"/>
+              <a:rPr lang="en-US" sz="2400" dirty="0" smtClean="0"/>
               <a:t>on</a:t>
             </a:r>
-            <a:endParaRPr lang="en-US" sz="2400" dirty="0" smtClean="0"/>
           </a:p>
           <a:p>
             <a:pPr lvl="1"/>
@@ -8797,26 +9249,7 @@
           <a:p>
             <a:r>
               <a:rPr lang="en-US" sz="2400" dirty="0" smtClean="0"/>
-              <a:t>Also ran a few different topic models on tweet text to extract topics</a:t>
-            </a:r>
-            <a:endParaRPr lang="en-US" sz="2400" dirty="0"/>
-          </a:p>
-          <a:p>
-            <a:endParaRPr lang="en-US" sz="2400" dirty="0"/>
-          </a:p>
-          <a:p>
-            <a:r>
-              <a:rPr lang="en-US" sz="2400" dirty="0" smtClean="0"/>
-              <a:t>Was not able to extract meaningful topics from the text</a:t>
-            </a:r>
-          </a:p>
-          <a:p>
-            <a:endParaRPr lang="en-US" sz="2400" dirty="0"/>
-          </a:p>
-          <a:p>
-            <a:r>
-              <a:rPr lang="en-US" sz="2400" dirty="0" smtClean="0"/>
-              <a:t>Likely due to lack of substantial discussions in tweets</a:t>
+              <a:t>Can analyze word use trends over time, but often noisy</a:t>
             </a:r>
             <a:endParaRPr lang="en-US" sz="2200" dirty="0" smtClean="0"/>
           </a:p>
@@ -8837,10 +9270,34 @@
           </a:p>
         </p:txBody>
       </p:sp>
+      <p:pic>
+        <p:nvPicPr>
+          <p:cNvPr id="5" name="Picture 4"/>
+          <p:cNvPicPr>
+            <a:picLocks noChangeAspect="1"/>
+          </p:cNvPicPr>
+          <p:nvPr/>
+        </p:nvPicPr>
+        <p:blipFill>
+          <a:blip r:embed="rId2"/>
+          <a:stretch>
+            <a:fillRect/>
+          </a:stretch>
+        </p:blipFill>
+        <p:spPr>
+          <a:xfrm>
+            <a:off x="2019300" y="2551564"/>
+            <a:ext cx="7029450" cy="4217670"/>
+          </a:xfrm>
+          <a:prstGeom prst="rect">
+            <a:avLst/>
+          </a:prstGeom>
+        </p:spPr>
+      </p:pic>
     </p:spTree>
     <p:extLst>
       <p:ext uri="{BB962C8B-B14F-4D97-AF65-F5344CB8AC3E}">
-        <p14:creationId xmlns:p14="http://schemas.microsoft.com/office/powerpoint/2010/main" val="2752909390"/>
+        <p14:creationId xmlns:p14="http://schemas.microsoft.com/office/powerpoint/2010/main" val="3552410461"/>
       </p:ext>
     </p:extLst>
   </p:cSld>
@@ -8890,14 +9347,6 @@
               </a:rPr>
               <a:t>Area 4. Content Analysis</a:t>
             </a:r>
-            <a:r>
-              <a:rPr lang="en-US" b="1" dirty="0">
-                <a:solidFill>
-                  <a:srgbClr val="FFFF00"/>
-                </a:solidFill>
-              </a:rPr>
-              <a:t/>
-            </a:r>
             <a:br>
               <a:rPr lang="en-US" b="1" dirty="0">
                 <a:solidFill>
@@ -8925,80 +9374,55 @@
         </p:nvSpPr>
         <p:spPr/>
         <p:txBody>
-          <a:bodyPr>
-            <a:normAutofit/>
-          </a:bodyPr>
-          <a:lstStyle/>
+          <a:bodyPr/>
+          <a:lstStyle/>
+          <a:p>
+            <a:r>
+              <a:rPr lang="en-US" sz="2400" dirty="0" smtClean="0"/>
+              <a:t>Also ran a few different topic models on tweet text to extract topics</a:t>
+            </a:r>
+            <a:endParaRPr lang="en-US" sz="2400" dirty="0"/>
+          </a:p>
+          <a:p>
+            <a:endParaRPr lang="en-US" sz="2400" dirty="0"/>
+          </a:p>
+          <a:p>
+            <a:r>
+              <a:rPr lang="en-US" sz="2400" dirty="0" smtClean="0"/>
+              <a:t>Was not able to extract meaningful topics from the text</a:t>
+            </a:r>
+          </a:p>
+          <a:p>
+            <a:endParaRPr lang="en-US" sz="2400" dirty="0"/>
+          </a:p>
+          <a:p>
+            <a:r>
+              <a:rPr lang="en-US" sz="2400" dirty="0" smtClean="0"/>
+              <a:t>Likely due to lack of substantial discussions in tweets</a:t>
+            </a:r>
+            <a:endParaRPr lang="en-US" sz="2200" dirty="0" smtClean="0"/>
+          </a:p>
+          <a:p>
+            <a:endParaRPr lang="en-US" sz="2400" dirty="0"/>
+          </a:p>
           <a:p>
             <a:pPr marL="0" indent="0">
               <a:buNone/>
             </a:pPr>
-            <a:r>
-              <a:rPr lang="en-US" sz="2400" b="1" dirty="0" smtClean="0">
-                <a:solidFill>
-                  <a:srgbClr val="00FFFF"/>
-                </a:solidFill>
-              </a:rPr>
-              <a:t>Monitoring Possibilities</a:t>
-            </a:r>
-          </a:p>
-          <a:p>
-            <a:r>
-              <a:rPr lang="en-US" sz="2400" dirty="0" smtClean="0"/>
-              <a:t>On-demand </a:t>
-            </a:r>
-            <a:r>
-              <a:rPr lang="en-US" sz="2400" dirty="0" smtClean="0"/>
-              <a:t>update and reproduction</a:t>
-            </a:r>
-          </a:p>
-          <a:p>
-            <a:endParaRPr lang="en-US" sz="2400" dirty="0" smtClean="0"/>
-          </a:p>
-          <a:p>
-            <a:r>
-              <a:rPr lang="en-US" sz="2400" dirty="0" smtClean="0"/>
-              <a:t>Automated anomaly alerts when recent tweets are coming in from cities different than in the past</a:t>
-            </a:r>
-          </a:p>
-          <a:p>
-            <a:endParaRPr lang="en-US" sz="2400" dirty="0"/>
-          </a:p>
-          <a:p>
-            <a:endParaRPr lang="en-US" sz="2400" dirty="0" smtClean="0"/>
-          </a:p>
-          <a:p>
-            <a:endParaRPr lang="en-US" sz="2400" dirty="0" smtClean="0"/>
-          </a:p>
-          <a:p>
-            <a:endParaRPr lang="en-US" sz="2400" dirty="0"/>
+            <a:endParaRPr lang="en-US" dirty="0" smtClean="0"/>
           </a:p>
           <a:p>
             <a:pPr marL="0" indent="0">
               <a:buNone/>
             </a:pPr>
-            <a:endParaRPr lang="en-US" sz="2400" b="1" dirty="0" smtClean="0">
-              <a:solidFill>
-                <a:srgbClr val="00FFFF"/>
-              </a:solidFill>
-            </a:endParaRPr>
-          </a:p>
-          <a:p>
-            <a:pPr marL="0" indent="0">
-              <a:buNone/>
-            </a:pPr>
-            <a:endParaRPr lang="en-US" sz="2400" b="1" dirty="0">
-              <a:solidFill>
-                <a:srgbClr val="00FFFF"/>
-              </a:solidFill>
-            </a:endParaRPr>
+            <a:endParaRPr lang="en-US" dirty="0"/>
           </a:p>
         </p:txBody>
       </p:sp>
     </p:spTree>
     <p:extLst>
       <p:ext uri="{BB962C8B-B14F-4D97-AF65-F5344CB8AC3E}">
-        <p14:creationId xmlns:p14="http://schemas.microsoft.com/office/powerpoint/2010/main" val="1584656883"/>
+        <p14:creationId xmlns:p14="http://schemas.microsoft.com/office/powerpoint/2010/main" val="2752909390"/>
       </p:ext>
     </p:extLst>
   </p:cSld>
@@ -9314,11 +9738,7 @@
           <a:p>
             <a:r>
               <a:rPr lang="en-US" sz="2800" dirty="0" smtClean="0"/>
-              <a:t>Want to extract </a:t>
-            </a:r>
-            <a:r>
-              <a:rPr lang="en-US" sz="2800" dirty="0" smtClean="0"/>
-              <a:t>data on all tweets </a:t>
+              <a:t>Want to extract data on all tweets </a:t>
             </a:r>
             <a:br>
               <a:rPr lang="en-US" sz="2800" dirty="0" smtClean="0"/>
@@ -9357,15 +9777,7 @@
           <a:p>
             <a:r>
               <a:rPr lang="en-US" sz="2800" dirty="0" smtClean="0"/>
-              <a:t>Found ~2,700 tweets </a:t>
-            </a:r>
-            <a:r>
-              <a:rPr lang="en-US" sz="2800" dirty="0" smtClean="0"/>
-              <a:t>in past </a:t>
-            </a:r>
-            <a:r>
-              <a:rPr lang="en-US" sz="2800" dirty="0" smtClean="0"/>
-              <a:t>21 months</a:t>
+              <a:t>Found ~2,700 tweets in past 21 months</a:t>
             </a:r>
           </a:p>
           <a:p>
@@ -9583,7 +9995,6 @@
               <a:rPr lang="en-US" sz="1700" dirty="0" smtClean="0"/>
               <a:t>"</a:t>
             </a:r>
-            <a:endParaRPr lang="en-US" sz="1700" dirty="0" smtClean="0"/>
           </a:p>
           <a:p>
             <a:pPr lvl="1"/>
@@ -9613,7 +10024,7 @@
           <p:nvPr/>
         </p:nvPicPr>
         <p:blipFill>
-          <a:blip r:embed="rId2"/>
+          <a:blip r:embed="rId3"/>
           <a:stretch>
             <a:fillRect/>
           </a:stretch>
@@ -9742,7 +10153,6 @@
               <a:rPr lang="en-US" sz="2800" dirty="0" smtClean="0"/>
               <a:t>Used some keywords to filter out those tweets</a:t>
             </a:r>
-            <a:endParaRPr lang="en-US" sz="2800" dirty="0" smtClean="0"/>
           </a:p>
           <a:p>
             <a:endParaRPr lang="en-US" sz="1700" dirty="0" smtClean="0"/>
@@ -10147,7 +10557,6 @@
               <a:rPr lang="en-US" sz="2800" dirty="0" smtClean="0"/>
               <a:t>Tool can highlight new data</a:t>
             </a:r>
-            <a:endParaRPr lang="en-US" sz="2800" dirty="0" smtClean="0"/>
           </a:p>
           <a:p>
             <a:endParaRPr lang="en-US" sz="2800" dirty="0" smtClean="0"/>
